--- a/Figures_for_Documentation/TPM_pictures_drawn_in_PPT副本.pptx
+++ b/Figures_for_Documentation/TPM_pictures_drawn_in_PPT副本.pptx
@@ -161,7 +161,7 @@
           </a:lstStyle>
           <a:p>
             <a:r>
-              <a:rPr lang="zh-CN" altLang="en-US" smtClean="0"/>
+              <a:rPr lang="zh-CN" altLang="en-US"/>
               <a:t>单击此处编辑母版标题样式</a:t>
             </a:r>
             <a:endParaRPr lang="en-US"/>
@@ -226,7 +226,7 @@
           </a:lstStyle>
           <a:p>
             <a:r>
-              <a:rPr lang="zh-CN" altLang="en-US" smtClean="0"/>
+              <a:rPr lang="zh-CN" altLang="en-US"/>
               <a:t>单击以编辑母版副标题样式</a:t>
             </a:r>
             <a:endParaRPr lang="en-US"/>
@@ -250,7 +250,7 @@
           <a:p>
             <a:fld id="{DC766539-A8EA-4018-A2EC-1BB034971F18}" type="datetimeFigureOut">
               <a:rPr lang="en-US" smtClean="0"/>
-              <a:t>9/12/18</a:t>
+              <a:t>9/12/2018</a:t>
             </a:fld>
             <a:endParaRPr lang="en-US"/>
           </a:p>
@@ -344,7 +344,7 @@
           <a:lstStyle/>
           <a:p>
             <a:r>
-              <a:rPr lang="zh-CN" altLang="en-US" smtClean="0"/>
+              <a:rPr lang="zh-CN" altLang="en-US"/>
               <a:t>单击此处编辑母版标题样式</a:t>
             </a:r>
             <a:endParaRPr lang="en-US"/>
@@ -368,35 +368,35 @@
           <a:p>
             <a:pPr lvl="0"/>
             <a:r>
-              <a:rPr lang="zh-CN" altLang="en-US" smtClean="0"/>
+              <a:rPr lang="zh-CN" altLang="en-US"/>
               <a:t>编辑母版文本样式</a:t>
             </a:r>
           </a:p>
           <a:p>
             <a:pPr lvl="1"/>
             <a:r>
-              <a:rPr lang="zh-CN" altLang="en-US" smtClean="0"/>
+              <a:rPr lang="zh-CN" altLang="en-US"/>
               <a:t>第二级</a:t>
             </a:r>
           </a:p>
           <a:p>
             <a:pPr lvl="2"/>
             <a:r>
-              <a:rPr lang="zh-CN" altLang="en-US" smtClean="0"/>
+              <a:rPr lang="zh-CN" altLang="en-US"/>
               <a:t>第三级</a:t>
             </a:r>
           </a:p>
           <a:p>
             <a:pPr lvl="3"/>
             <a:r>
-              <a:rPr lang="zh-CN" altLang="en-US" smtClean="0"/>
+              <a:rPr lang="zh-CN" altLang="en-US"/>
               <a:t>第四级</a:t>
             </a:r>
           </a:p>
           <a:p>
             <a:pPr lvl="4"/>
             <a:r>
-              <a:rPr lang="zh-CN" altLang="en-US" smtClean="0"/>
+              <a:rPr lang="zh-CN" altLang="en-US"/>
               <a:t>第五级</a:t>
             </a:r>
             <a:endParaRPr lang="en-US"/>
@@ -420,7 +420,7 @@
           <a:p>
             <a:fld id="{DC766539-A8EA-4018-A2EC-1BB034971F18}" type="datetimeFigureOut">
               <a:rPr lang="en-US" smtClean="0"/>
-              <a:t>9/12/18</a:t>
+              <a:t>9/12/2018</a:t>
             </a:fld>
             <a:endParaRPr lang="en-US"/>
           </a:p>
@@ -519,7 +519,7 @@
           <a:lstStyle/>
           <a:p>
             <a:r>
-              <a:rPr lang="zh-CN" altLang="en-US" smtClean="0"/>
+              <a:rPr lang="zh-CN" altLang="en-US"/>
               <a:t>单击此处编辑母版标题样式</a:t>
             </a:r>
             <a:endParaRPr lang="en-US"/>
@@ -548,35 +548,35 @@
           <a:p>
             <a:pPr lvl="0"/>
             <a:r>
-              <a:rPr lang="zh-CN" altLang="en-US" smtClean="0"/>
+              <a:rPr lang="zh-CN" altLang="en-US"/>
               <a:t>编辑母版文本样式</a:t>
             </a:r>
           </a:p>
           <a:p>
             <a:pPr lvl="1"/>
             <a:r>
-              <a:rPr lang="zh-CN" altLang="en-US" smtClean="0"/>
+              <a:rPr lang="zh-CN" altLang="en-US"/>
               <a:t>第二级</a:t>
             </a:r>
           </a:p>
           <a:p>
             <a:pPr lvl="2"/>
             <a:r>
-              <a:rPr lang="zh-CN" altLang="en-US" smtClean="0"/>
+              <a:rPr lang="zh-CN" altLang="en-US"/>
               <a:t>第三级</a:t>
             </a:r>
           </a:p>
           <a:p>
             <a:pPr lvl="3"/>
             <a:r>
-              <a:rPr lang="zh-CN" altLang="en-US" smtClean="0"/>
+              <a:rPr lang="zh-CN" altLang="en-US"/>
               <a:t>第四级</a:t>
             </a:r>
           </a:p>
           <a:p>
             <a:pPr lvl="4"/>
             <a:r>
-              <a:rPr lang="zh-CN" altLang="en-US" smtClean="0"/>
+              <a:rPr lang="zh-CN" altLang="en-US"/>
               <a:t>第五级</a:t>
             </a:r>
             <a:endParaRPr lang="en-US"/>
@@ -600,7 +600,7 @@
           <a:p>
             <a:fld id="{DC766539-A8EA-4018-A2EC-1BB034971F18}" type="datetimeFigureOut">
               <a:rPr lang="en-US" smtClean="0"/>
-              <a:t>9/12/18</a:t>
+              <a:t>9/12/2018</a:t>
             </a:fld>
             <a:endParaRPr lang="en-US"/>
           </a:p>
@@ -694,7 +694,7 @@
           <a:lstStyle/>
           <a:p>
             <a:r>
-              <a:rPr lang="zh-CN" altLang="en-US" smtClean="0"/>
+              <a:rPr lang="zh-CN" altLang="en-US"/>
               <a:t>单击此处编辑母版标题样式</a:t>
             </a:r>
             <a:endParaRPr lang="en-US"/>
@@ -718,35 +718,35 @@
           <a:p>
             <a:pPr lvl="0"/>
             <a:r>
-              <a:rPr lang="zh-CN" altLang="en-US" smtClean="0"/>
+              <a:rPr lang="zh-CN" altLang="en-US"/>
               <a:t>编辑母版文本样式</a:t>
             </a:r>
           </a:p>
           <a:p>
             <a:pPr lvl="1"/>
             <a:r>
-              <a:rPr lang="zh-CN" altLang="en-US" smtClean="0"/>
+              <a:rPr lang="zh-CN" altLang="en-US"/>
               <a:t>第二级</a:t>
             </a:r>
           </a:p>
           <a:p>
             <a:pPr lvl="2"/>
             <a:r>
-              <a:rPr lang="zh-CN" altLang="en-US" smtClean="0"/>
+              <a:rPr lang="zh-CN" altLang="en-US"/>
               <a:t>第三级</a:t>
             </a:r>
           </a:p>
           <a:p>
             <a:pPr lvl="3"/>
             <a:r>
-              <a:rPr lang="zh-CN" altLang="en-US" smtClean="0"/>
+              <a:rPr lang="zh-CN" altLang="en-US"/>
               <a:t>第四级</a:t>
             </a:r>
           </a:p>
           <a:p>
             <a:pPr lvl="4"/>
             <a:r>
-              <a:rPr lang="zh-CN" altLang="en-US" smtClean="0"/>
+              <a:rPr lang="zh-CN" altLang="en-US"/>
               <a:t>第五级</a:t>
             </a:r>
             <a:endParaRPr lang="en-US"/>
@@ -770,7 +770,7 @@
           <a:p>
             <a:fld id="{DC766539-A8EA-4018-A2EC-1BB034971F18}" type="datetimeFigureOut">
               <a:rPr lang="en-US" smtClean="0"/>
-              <a:t>9/12/18</a:t>
+              <a:t>9/12/2018</a:t>
             </a:fld>
             <a:endParaRPr lang="en-US"/>
           </a:p>
@@ -873,7 +873,7 @@
           </a:lstStyle>
           <a:p>
             <a:r>
-              <a:rPr lang="zh-CN" altLang="en-US" smtClean="0"/>
+              <a:rPr lang="zh-CN" altLang="en-US"/>
               <a:t>单击此处编辑母版标题样式</a:t>
             </a:r>
             <a:endParaRPr lang="en-US"/>
@@ -993,7 +993,7 @@
           <a:p>
             <a:pPr lvl="0"/>
             <a:r>
-              <a:rPr lang="zh-CN" altLang="en-US" smtClean="0"/>
+              <a:rPr lang="zh-CN" altLang="en-US"/>
               <a:t>编辑母版文本样式</a:t>
             </a:r>
           </a:p>
@@ -1016,7 +1016,7 @@
           <a:p>
             <a:fld id="{DC766539-A8EA-4018-A2EC-1BB034971F18}" type="datetimeFigureOut">
               <a:rPr lang="en-US" smtClean="0"/>
-              <a:t>9/12/18</a:t>
+              <a:t>9/12/2018</a:t>
             </a:fld>
             <a:endParaRPr lang="en-US"/>
           </a:p>
@@ -1110,7 +1110,7 @@
           <a:lstStyle/>
           <a:p>
             <a:r>
-              <a:rPr lang="zh-CN" altLang="en-US" smtClean="0"/>
+              <a:rPr lang="zh-CN" altLang="en-US"/>
               <a:t>单击此处编辑母版标题样式</a:t>
             </a:r>
             <a:endParaRPr lang="en-US"/>
@@ -1139,35 +1139,35 @@
           <a:p>
             <a:pPr lvl="0"/>
             <a:r>
-              <a:rPr lang="zh-CN" altLang="en-US" smtClean="0"/>
+              <a:rPr lang="zh-CN" altLang="en-US"/>
               <a:t>编辑母版文本样式</a:t>
             </a:r>
           </a:p>
           <a:p>
             <a:pPr lvl="1"/>
             <a:r>
-              <a:rPr lang="zh-CN" altLang="en-US" smtClean="0"/>
+              <a:rPr lang="zh-CN" altLang="en-US"/>
               <a:t>第二级</a:t>
             </a:r>
           </a:p>
           <a:p>
             <a:pPr lvl="2"/>
             <a:r>
-              <a:rPr lang="zh-CN" altLang="en-US" smtClean="0"/>
+              <a:rPr lang="zh-CN" altLang="en-US"/>
               <a:t>第三级</a:t>
             </a:r>
           </a:p>
           <a:p>
             <a:pPr lvl="3"/>
             <a:r>
-              <a:rPr lang="zh-CN" altLang="en-US" smtClean="0"/>
+              <a:rPr lang="zh-CN" altLang="en-US"/>
               <a:t>第四级</a:t>
             </a:r>
           </a:p>
           <a:p>
             <a:pPr lvl="4"/>
             <a:r>
-              <a:rPr lang="zh-CN" altLang="en-US" smtClean="0"/>
+              <a:rPr lang="zh-CN" altLang="en-US"/>
               <a:t>第五级</a:t>
             </a:r>
             <a:endParaRPr lang="en-US"/>
@@ -1196,35 +1196,35 @@
           <a:p>
             <a:pPr lvl="0"/>
             <a:r>
-              <a:rPr lang="zh-CN" altLang="en-US" smtClean="0"/>
+              <a:rPr lang="zh-CN" altLang="en-US"/>
               <a:t>编辑母版文本样式</a:t>
             </a:r>
           </a:p>
           <a:p>
             <a:pPr lvl="1"/>
             <a:r>
-              <a:rPr lang="zh-CN" altLang="en-US" smtClean="0"/>
+              <a:rPr lang="zh-CN" altLang="en-US"/>
               <a:t>第二级</a:t>
             </a:r>
           </a:p>
           <a:p>
             <a:pPr lvl="2"/>
             <a:r>
-              <a:rPr lang="zh-CN" altLang="en-US" smtClean="0"/>
+              <a:rPr lang="zh-CN" altLang="en-US"/>
               <a:t>第三级</a:t>
             </a:r>
           </a:p>
           <a:p>
             <a:pPr lvl="3"/>
             <a:r>
-              <a:rPr lang="zh-CN" altLang="en-US" smtClean="0"/>
+              <a:rPr lang="zh-CN" altLang="en-US"/>
               <a:t>第四级</a:t>
             </a:r>
           </a:p>
           <a:p>
             <a:pPr lvl="4"/>
             <a:r>
-              <a:rPr lang="zh-CN" altLang="en-US" smtClean="0"/>
+              <a:rPr lang="zh-CN" altLang="en-US"/>
               <a:t>第五级</a:t>
             </a:r>
             <a:endParaRPr lang="en-US"/>
@@ -1248,7 +1248,7 @@
           <a:p>
             <a:fld id="{DC766539-A8EA-4018-A2EC-1BB034971F18}" type="datetimeFigureOut">
               <a:rPr lang="en-US" smtClean="0"/>
-              <a:t>9/12/18</a:t>
+              <a:t>9/12/2018</a:t>
             </a:fld>
             <a:endParaRPr lang="en-US"/>
           </a:p>
@@ -1347,7 +1347,7 @@
           <a:lstStyle/>
           <a:p>
             <a:r>
-              <a:rPr lang="zh-CN" altLang="en-US" smtClean="0"/>
+              <a:rPr lang="zh-CN" altLang="en-US"/>
               <a:t>单击此处编辑母版标题样式</a:t>
             </a:r>
             <a:endParaRPr lang="en-US"/>
@@ -1413,7 +1413,7 @@
           <a:p>
             <a:pPr lvl="0"/>
             <a:r>
-              <a:rPr lang="zh-CN" altLang="en-US" smtClean="0"/>
+              <a:rPr lang="zh-CN" altLang="en-US"/>
               <a:t>编辑母版文本样式</a:t>
             </a:r>
           </a:p>
@@ -1441,35 +1441,35 @@
           <a:p>
             <a:pPr lvl="0"/>
             <a:r>
-              <a:rPr lang="zh-CN" altLang="en-US" smtClean="0"/>
+              <a:rPr lang="zh-CN" altLang="en-US"/>
               <a:t>编辑母版文本样式</a:t>
             </a:r>
           </a:p>
           <a:p>
             <a:pPr lvl="1"/>
             <a:r>
-              <a:rPr lang="zh-CN" altLang="en-US" smtClean="0"/>
+              <a:rPr lang="zh-CN" altLang="en-US"/>
               <a:t>第二级</a:t>
             </a:r>
           </a:p>
           <a:p>
             <a:pPr lvl="2"/>
             <a:r>
-              <a:rPr lang="zh-CN" altLang="en-US" smtClean="0"/>
+              <a:rPr lang="zh-CN" altLang="en-US"/>
               <a:t>第三级</a:t>
             </a:r>
           </a:p>
           <a:p>
             <a:pPr lvl="3"/>
             <a:r>
-              <a:rPr lang="zh-CN" altLang="en-US" smtClean="0"/>
+              <a:rPr lang="zh-CN" altLang="en-US"/>
               <a:t>第四级</a:t>
             </a:r>
           </a:p>
           <a:p>
             <a:pPr lvl="4"/>
             <a:r>
-              <a:rPr lang="zh-CN" altLang="en-US" smtClean="0"/>
+              <a:rPr lang="zh-CN" altLang="en-US"/>
               <a:t>第五级</a:t>
             </a:r>
             <a:endParaRPr lang="en-US"/>
@@ -1535,7 +1535,7 @@
           <a:p>
             <a:pPr lvl="0"/>
             <a:r>
-              <a:rPr lang="zh-CN" altLang="en-US" smtClean="0"/>
+              <a:rPr lang="zh-CN" altLang="en-US"/>
               <a:t>编辑母版文本样式</a:t>
             </a:r>
           </a:p>
@@ -1563,35 +1563,35 @@
           <a:p>
             <a:pPr lvl="0"/>
             <a:r>
-              <a:rPr lang="zh-CN" altLang="en-US" smtClean="0"/>
+              <a:rPr lang="zh-CN" altLang="en-US"/>
               <a:t>编辑母版文本样式</a:t>
             </a:r>
           </a:p>
           <a:p>
             <a:pPr lvl="1"/>
             <a:r>
-              <a:rPr lang="zh-CN" altLang="en-US" smtClean="0"/>
+              <a:rPr lang="zh-CN" altLang="en-US"/>
               <a:t>第二级</a:t>
             </a:r>
           </a:p>
           <a:p>
             <a:pPr lvl="2"/>
             <a:r>
-              <a:rPr lang="zh-CN" altLang="en-US" smtClean="0"/>
+              <a:rPr lang="zh-CN" altLang="en-US"/>
               <a:t>第三级</a:t>
             </a:r>
           </a:p>
           <a:p>
             <a:pPr lvl="3"/>
             <a:r>
-              <a:rPr lang="zh-CN" altLang="en-US" smtClean="0"/>
+              <a:rPr lang="zh-CN" altLang="en-US"/>
               <a:t>第四级</a:t>
             </a:r>
           </a:p>
           <a:p>
             <a:pPr lvl="4"/>
             <a:r>
-              <a:rPr lang="zh-CN" altLang="en-US" smtClean="0"/>
+              <a:rPr lang="zh-CN" altLang="en-US"/>
               <a:t>第五级</a:t>
             </a:r>
             <a:endParaRPr lang="en-US"/>
@@ -1615,7 +1615,7 @@
           <a:p>
             <a:fld id="{DC766539-A8EA-4018-A2EC-1BB034971F18}" type="datetimeFigureOut">
               <a:rPr lang="en-US" smtClean="0"/>
-              <a:t>9/12/18</a:t>
+              <a:t>9/12/2018</a:t>
             </a:fld>
             <a:endParaRPr lang="en-US"/>
           </a:p>
@@ -1709,7 +1709,7 @@
           <a:lstStyle/>
           <a:p>
             <a:r>
-              <a:rPr lang="zh-CN" altLang="en-US" smtClean="0"/>
+              <a:rPr lang="zh-CN" altLang="en-US"/>
               <a:t>单击此处编辑母版标题样式</a:t>
             </a:r>
             <a:endParaRPr lang="en-US"/>
@@ -1733,7 +1733,7 @@
           <a:p>
             <a:fld id="{DC766539-A8EA-4018-A2EC-1BB034971F18}" type="datetimeFigureOut">
               <a:rPr lang="en-US" smtClean="0"/>
-              <a:t>9/12/18</a:t>
+              <a:t>9/12/2018</a:t>
             </a:fld>
             <a:endParaRPr lang="en-US"/>
           </a:p>
@@ -1828,7 +1828,7 @@
           <a:p>
             <a:fld id="{DC766539-A8EA-4018-A2EC-1BB034971F18}" type="datetimeFigureOut">
               <a:rPr lang="en-US" smtClean="0"/>
-              <a:t>9/12/18</a:t>
+              <a:t>9/12/2018</a:t>
             </a:fld>
             <a:endParaRPr lang="en-US"/>
           </a:p>
@@ -1931,7 +1931,7 @@
           </a:lstStyle>
           <a:p>
             <a:r>
-              <a:rPr lang="zh-CN" altLang="en-US" smtClean="0"/>
+              <a:rPr lang="zh-CN" altLang="en-US"/>
               <a:t>单击此处编辑母版标题样式</a:t>
             </a:r>
             <a:endParaRPr lang="en-US"/>
@@ -1988,35 +1988,35 @@
           <a:p>
             <a:pPr lvl="0"/>
             <a:r>
-              <a:rPr lang="zh-CN" altLang="en-US" smtClean="0"/>
+              <a:rPr lang="zh-CN" altLang="en-US"/>
               <a:t>编辑母版文本样式</a:t>
             </a:r>
           </a:p>
           <a:p>
             <a:pPr lvl="1"/>
             <a:r>
-              <a:rPr lang="zh-CN" altLang="en-US" smtClean="0"/>
+              <a:rPr lang="zh-CN" altLang="en-US"/>
               <a:t>第二级</a:t>
             </a:r>
           </a:p>
           <a:p>
             <a:pPr lvl="2"/>
             <a:r>
-              <a:rPr lang="zh-CN" altLang="en-US" smtClean="0"/>
+              <a:rPr lang="zh-CN" altLang="en-US"/>
               <a:t>第三级</a:t>
             </a:r>
           </a:p>
           <a:p>
             <a:pPr lvl="3"/>
             <a:r>
-              <a:rPr lang="zh-CN" altLang="en-US" smtClean="0"/>
+              <a:rPr lang="zh-CN" altLang="en-US"/>
               <a:t>第四级</a:t>
             </a:r>
           </a:p>
           <a:p>
             <a:pPr lvl="4"/>
             <a:r>
-              <a:rPr lang="zh-CN" altLang="en-US" smtClean="0"/>
+              <a:rPr lang="zh-CN" altLang="en-US"/>
               <a:t>第五级</a:t>
             </a:r>
             <a:endParaRPr lang="en-US"/>
@@ -2082,7 +2082,7 @@
           <a:p>
             <a:pPr lvl="0"/>
             <a:r>
-              <a:rPr lang="zh-CN" altLang="en-US" smtClean="0"/>
+              <a:rPr lang="zh-CN" altLang="en-US"/>
               <a:t>编辑母版文本样式</a:t>
             </a:r>
           </a:p>
@@ -2105,7 +2105,7 @@
           <a:p>
             <a:fld id="{DC766539-A8EA-4018-A2EC-1BB034971F18}" type="datetimeFigureOut">
               <a:rPr lang="en-US" smtClean="0"/>
-              <a:t>9/12/18</a:t>
+              <a:t>9/12/2018</a:t>
             </a:fld>
             <a:endParaRPr lang="en-US"/>
           </a:p>
@@ -2208,7 +2208,7 @@
           </a:lstStyle>
           <a:p>
             <a:r>
-              <a:rPr lang="zh-CN" altLang="en-US" smtClean="0"/>
+              <a:rPr lang="zh-CN" altLang="en-US"/>
               <a:t>单击此处编辑母版标题样式</a:t>
             </a:r>
             <a:endParaRPr lang="en-US"/>
@@ -2335,7 +2335,7 @@
           <a:p>
             <a:pPr lvl="0"/>
             <a:r>
-              <a:rPr lang="zh-CN" altLang="en-US" smtClean="0"/>
+              <a:rPr lang="zh-CN" altLang="en-US"/>
               <a:t>编辑母版文本样式</a:t>
             </a:r>
           </a:p>
@@ -2358,7 +2358,7 @@
           <a:p>
             <a:fld id="{DC766539-A8EA-4018-A2EC-1BB034971F18}" type="datetimeFigureOut">
               <a:rPr lang="en-US" smtClean="0"/>
-              <a:t>9/12/18</a:t>
+              <a:t>9/12/2018</a:t>
             </a:fld>
             <a:endParaRPr lang="en-US"/>
           </a:p>
@@ -2467,7 +2467,7 @@
           <a:lstStyle/>
           <a:p>
             <a:r>
-              <a:rPr lang="zh-CN" altLang="en-US" smtClean="0"/>
+              <a:rPr lang="zh-CN" altLang="en-US"/>
               <a:t>单击此处编辑母版标题样式</a:t>
             </a:r>
             <a:endParaRPr lang="en-US"/>
@@ -2501,35 +2501,35 @@
           <a:p>
             <a:pPr lvl="0"/>
             <a:r>
-              <a:rPr lang="zh-CN" altLang="en-US" smtClean="0"/>
+              <a:rPr lang="zh-CN" altLang="en-US"/>
               <a:t>编辑母版文本样式</a:t>
             </a:r>
           </a:p>
           <a:p>
             <a:pPr lvl="1"/>
             <a:r>
-              <a:rPr lang="zh-CN" altLang="en-US" smtClean="0"/>
+              <a:rPr lang="zh-CN" altLang="en-US"/>
               <a:t>第二级</a:t>
             </a:r>
           </a:p>
           <a:p>
             <a:pPr lvl="2"/>
             <a:r>
-              <a:rPr lang="zh-CN" altLang="en-US" smtClean="0"/>
+              <a:rPr lang="zh-CN" altLang="en-US"/>
               <a:t>第三级</a:t>
             </a:r>
           </a:p>
           <a:p>
             <a:pPr lvl="3"/>
             <a:r>
-              <a:rPr lang="zh-CN" altLang="en-US" smtClean="0"/>
+              <a:rPr lang="zh-CN" altLang="en-US"/>
               <a:t>第四级</a:t>
             </a:r>
           </a:p>
           <a:p>
             <a:pPr lvl="4"/>
             <a:r>
-              <a:rPr lang="zh-CN" altLang="en-US" smtClean="0"/>
+              <a:rPr lang="zh-CN" altLang="en-US"/>
               <a:t>第五级</a:t>
             </a:r>
             <a:endParaRPr lang="en-US"/>
@@ -2571,7 +2571,7 @@
           <a:p>
             <a:fld id="{DC766539-A8EA-4018-A2EC-1BB034971F18}" type="datetimeFigureOut">
               <a:rPr lang="en-US" smtClean="0"/>
-              <a:t>9/12/18</a:t>
+              <a:t>9/12/2018</a:t>
             </a:fld>
             <a:endParaRPr lang="en-US"/>
           </a:p>
@@ -8093,7 +8093,7 @@
             <a:p>
               <a:pPr algn="ctr"/>
               <a:r>
-                <a:rPr lang="en-US" altLang="zh-CN" dirty="0" smtClean="0">
+                <a:rPr lang="en-US" altLang="zh-CN" dirty="0">
                   <a:solidFill>
                     <a:schemeClr val="accent5">
                       <a:lumMod val="75000"/>
@@ -8180,7 +8180,7 @@
             <a:p>
               <a:pPr algn="ctr"/>
               <a:r>
-                <a:rPr lang="en-US" dirty="0" smtClean="0">
+                <a:rPr lang="en-US" dirty="0">
                   <a:solidFill>
                     <a:schemeClr val="accent5">
                       <a:lumMod val="75000"/>
@@ -8191,15 +8191,6 @@
                 </a:rPr>
                 <a:t>32-bit data2</a:t>
               </a:r>
-              <a:endParaRPr lang="en-US" dirty="0">
-                <a:solidFill>
-                  <a:schemeClr val="accent5">
-                    <a:lumMod val="75000"/>
-                  </a:schemeClr>
-                </a:solidFill>
-                <a:latin typeface="Adobe Hebrew" panose="02040503050201020203" pitchFamily="18" charset="-79"/>
-                <a:cs typeface="Adobe Hebrew" panose="02040503050201020203" pitchFamily="18" charset="-79"/>
-              </a:endParaRPr>
             </a:p>
           </p:txBody>
         </p:sp>
@@ -8267,7 +8258,7 @@
             <a:p>
               <a:pPr algn="ctr"/>
               <a:r>
-                <a:rPr lang="en-US" altLang="zh-CN" dirty="0" smtClean="0">
+                <a:rPr lang="en-US" altLang="zh-CN" dirty="0">
                   <a:solidFill>
                     <a:schemeClr val="accent5">
                       <a:lumMod val="75000"/>
@@ -8354,7 +8345,7 @@
             <a:p>
               <a:pPr algn="ctr"/>
               <a:r>
-                <a:rPr lang="en-US" dirty="0" smtClean="0">
+                <a:rPr lang="en-US" dirty="0">
                   <a:solidFill>
                     <a:schemeClr val="accent5">
                       <a:lumMod val="75000"/>
@@ -8365,15 +8356,6 @@
                 </a:rPr>
                 <a:t>32-bit data2</a:t>
               </a:r>
-              <a:endParaRPr lang="en-US" dirty="0">
-                <a:solidFill>
-                  <a:schemeClr val="accent5">
-                    <a:lumMod val="75000"/>
-                  </a:schemeClr>
-                </a:solidFill>
-                <a:latin typeface="Adobe Hebrew" panose="02040503050201020203" pitchFamily="18" charset="-79"/>
-                <a:cs typeface="Adobe Hebrew" panose="02040503050201020203" pitchFamily="18" charset="-79"/>
-              </a:endParaRPr>
             </a:p>
           </p:txBody>
         </p:sp>
@@ -8441,7 +8423,7 @@
             <a:p>
               <a:pPr algn="ctr"/>
               <a:r>
-                <a:rPr lang="en-US" altLang="zh-CN" dirty="0" smtClean="0">
+                <a:rPr lang="en-US" altLang="zh-CN" dirty="0">
                   <a:solidFill>
                     <a:schemeClr val="accent5">
                       <a:lumMod val="75000"/>
@@ -8528,7 +8510,7 @@
             <a:p>
               <a:pPr algn="ctr"/>
               <a:r>
-                <a:rPr lang="en-US" dirty="0" smtClean="0">
+                <a:rPr lang="en-US" dirty="0">
                   <a:solidFill>
                     <a:schemeClr val="accent5">
                       <a:lumMod val="75000"/>
@@ -8539,15 +8521,6 @@
                 </a:rPr>
                 <a:t>16-bit data2</a:t>
               </a:r>
-              <a:endParaRPr lang="en-US" dirty="0">
-                <a:solidFill>
-                  <a:schemeClr val="accent5">
-                    <a:lumMod val="75000"/>
-                  </a:schemeClr>
-                </a:solidFill>
-                <a:latin typeface="Times New Roman" panose="02020603050405020304" pitchFamily="18" charset="0"/>
-                <a:cs typeface="Times New Roman" panose="02020603050405020304" pitchFamily="18" charset="0"/>
-              </a:endParaRPr>
             </a:p>
           </p:txBody>
         </p:sp>
@@ -8702,7 +8675,7 @@
             <a:p>
               <a:pPr algn="ctr"/>
               <a:r>
-                <a:rPr lang="en-US" dirty="0" smtClean="0">
+                <a:rPr lang="en-US" dirty="0">
                   <a:solidFill>
                     <a:schemeClr val="accent5">
                       <a:lumMod val="75000"/>
@@ -8713,15 +8686,6 @@
                 </a:rPr>
                 <a:t>14-bit data2</a:t>
               </a:r>
-              <a:endParaRPr lang="en-US" dirty="0">
-                <a:solidFill>
-                  <a:schemeClr val="accent5">
-                    <a:lumMod val="75000"/>
-                  </a:schemeClr>
-                </a:solidFill>
-                <a:latin typeface="Adobe Hebrew" panose="02040503050201020203" pitchFamily="18" charset="-79"/>
-                <a:cs typeface="Adobe Hebrew" panose="02040503050201020203" pitchFamily="18" charset="-79"/>
-              </a:endParaRPr>
             </a:p>
           </p:txBody>
         </p:sp>
@@ -8768,18 +8732,13 @@
             <a:p>
               <a:pPr algn="ctr"/>
               <a:r>
-                <a:rPr lang="en-US" dirty="0" smtClean="0">
+                <a:rPr lang="en-US" dirty="0">
                   <a:solidFill>
                     <a:schemeClr val="tx1"/>
                   </a:solidFill>
                 </a:rPr>
                 <a:t>FPGA AI0</a:t>
               </a:r>
-              <a:endParaRPr lang="en-US" dirty="0">
-                <a:solidFill>
-                  <a:schemeClr val="tx1"/>
-                </a:solidFill>
-              </a:endParaRPr>
             </a:p>
           </p:txBody>
         </p:sp>
@@ -8826,18 +8785,13 @@
             <a:p>
               <a:pPr algn="ctr"/>
               <a:r>
-                <a:rPr lang="en-US" dirty="0" smtClean="0">
+                <a:rPr lang="en-US" dirty="0">
                   <a:solidFill>
                     <a:schemeClr val="tx1"/>
                   </a:solidFill>
                 </a:rPr>
                 <a:t>FPGA AI1</a:t>
               </a:r>
-              <a:endParaRPr lang="en-US" dirty="0">
-                <a:solidFill>
-                  <a:schemeClr val="tx1"/>
-                </a:solidFill>
-              </a:endParaRPr>
             </a:p>
           </p:txBody>
         </p:sp>
@@ -9195,10 +9149,9 @@
             <a:lstStyle/>
             <a:p>
               <a:r>
-                <a:rPr lang="en-US" dirty="0" smtClean="0"/>
+                <a:rPr lang="en-US" dirty="0"/>
                 <a:t>64-bit data</a:t>
               </a:r>
-              <a:endParaRPr lang="en-US" dirty="0"/>
             </a:p>
           </p:txBody>
         </p:sp>
@@ -9234,19 +9187,8 @@
                   <a:latin typeface="Times New Roman" panose="02020603050405020304" pitchFamily="18" charset="0"/>
                   <a:cs typeface="Times New Roman" panose="02020603050405020304" pitchFamily="18" charset="0"/>
                 </a:rPr>
-                <a:t>x</a:t>
+                <a:t>xor:1000 0000 0000 0000</a:t>
               </a:r>
-              <a:r>
-                <a:rPr lang="en-US" sz="1100" dirty="0" smtClean="0">
-                  <a:latin typeface="Times New Roman" panose="02020603050405020304" pitchFamily="18" charset="0"/>
-                  <a:cs typeface="Times New Roman" panose="02020603050405020304" pitchFamily="18" charset="0"/>
-                </a:rPr>
-                <a:t>or:1000 0000 0000 0000</a:t>
-              </a:r>
-              <a:endParaRPr lang="en-US" sz="1100" dirty="0">
-                <a:latin typeface="Times New Roman" panose="02020603050405020304" pitchFamily="18" charset="0"/>
-                <a:cs typeface="Times New Roman" panose="02020603050405020304" pitchFamily="18" charset="0"/>
-              </a:endParaRPr>
             </a:p>
           </p:txBody>
         </p:sp>
@@ -9463,16 +9405,12 @@
             <a:p>
               <a:pPr algn="ctr"/>
               <a:r>
-                <a:rPr lang="en-US" sz="1100" dirty="0" smtClean="0">
+                <a:rPr lang="en-US" sz="1100" dirty="0">
                   <a:latin typeface="Times New Roman" panose="02020603050405020304" pitchFamily="18" charset="0"/>
                   <a:cs typeface="Times New Roman" panose="02020603050405020304" pitchFamily="18" charset="0"/>
                 </a:rPr>
                 <a:t>Accumulation</a:t>
               </a:r>
-              <a:endParaRPr lang="en-US" sz="1100" dirty="0">
-                <a:latin typeface="Times New Roman" panose="02020603050405020304" pitchFamily="18" charset="0"/>
-                <a:cs typeface="Times New Roman" panose="02020603050405020304" pitchFamily="18" charset="0"/>
-              </a:endParaRPr>
             </a:p>
           </p:txBody>
         </p:sp>
@@ -9555,7 +9493,7 @@
             <a:p>
               <a:pPr algn="ctr"/>
               <a:r>
-                <a:rPr lang="en-US" dirty="0" err="1" smtClean="0">
+                <a:rPr lang="en-US" dirty="0" err="1">
                   <a:solidFill>
                     <a:schemeClr val="tx1"/>
                   </a:solidFill>
@@ -9670,7 +9608,7 @@
             <a:p>
               <a:pPr algn="ctr"/>
               <a:r>
-                <a:rPr lang="en-US" altLang="zh-CN" dirty="0" smtClean="0">
+                <a:rPr lang="en-US" altLang="zh-CN" dirty="0">
                   <a:solidFill>
                     <a:schemeClr val="accent5">
                       <a:lumMod val="75000"/>
@@ -9757,7 +9695,7 @@
             <a:p>
               <a:pPr algn="ctr"/>
               <a:r>
-                <a:rPr lang="en-US" dirty="0" smtClean="0">
+                <a:rPr lang="en-US" dirty="0">
                   <a:solidFill>
                     <a:schemeClr val="accent5">
                       <a:lumMod val="75000"/>
@@ -9768,15 +9706,6 @@
                 </a:rPr>
                 <a:t>32-bit data2</a:t>
               </a:r>
-              <a:endParaRPr lang="en-US" dirty="0">
-                <a:solidFill>
-                  <a:schemeClr val="accent5">
-                    <a:lumMod val="75000"/>
-                  </a:schemeClr>
-                </a:solidFill>
-                <a:latin typeface="Adobe Hebrew" panose="02040503050201020203" pitchFamily="18" charset="-79"/>
-                <a:cs typeface="Adobe Hebrew" panose="02040503050201020203" pitchFamily="18" charset="-79"/>
-              </a:endParaRPr>
             </a:p>
           </p:txBody>
         </p:sp>
@@ -9890,7 +9819,7 @@
             <a:p>
               <a:pPr algn="ctr"/>
               <a:r>
-                <a:rPr lang="en-US" altLang="zh-CN" dirty="0" smtClean="0">
+                <a:rPr lang="en-US" altLang="zh-CN" dirty="0">
                   <a:solidFill>
                     <a:schemeClr val="accent5">
                       <a:lumMod val="75000"/>
@@ -9977,7 +9906,7 @@
             <a:p>
               <a:pPr algn="ctr"/>
               <a:r>
-                <a:rPr lang="en-US" dirty="0" smtClean="0">
+                <a:rPr lang="en-US" dirty="0">
                   <a:solidFill>
                     <a:schemeClr val="accent5">
                       <a:lumMod val="75000"/>
@@ -9988,15 +9917,6 @@
                 </a:rPr>
                 <a:t>32-bit data2</a:t>
               </a:r>
-              <a:endParaRPr lang="en-US" dirty="0">
-                <a:solidFill>
-                  <a:schemeClr val="accent5">
-                    <a:lumMod val="75000"/>
-                  </a:schemeClr>
-                </a:solidFill>
-                <a:latin typeface="Adobe Hebrew" panose="02040503050201020203" pitchFamily="18" charset="-79"/>
-                <a:cs typeface="Adobe Hebrew" panose="02040503050201020203" pitchFamily="18" charset="-79"/>
-              </a:endParaRPr>
             </a:p>
           </p:txBody>
         </p:sp>
@@ -10109,14 +10029,7 @@
                   <a:latin typeface="Times New Roman" panose="02020603050405020304" pitchFamily="18" charset="0"/>
                   <a:cs typeface="Times New Roman" panose="02020603050405020304" pitchFamily="18" charset="0"/>
                 </a:rPr>
-                <a:t>/</a:t>
-              </a:r>
-              <a:r>
-                <a:rPr lang="en-US" altLang="zh-CN" sz="1100" dirty="0" smtClean="0">
-                  <a:latin typeface="Times New Roman" panose="02020603050405020304" pitchFamily="18" charset="0"/>
-                  <a:cs typeface="Times New Roman" panose="02020603050405020304" pitchFamily="18" charset="0"/>
-                </a:rPr>
-                <a:t>2^(32)</a:t>
+                <a:t>/2^(32)</a:t>
               </a:r>
               <a:endParaRPr lang="en-US" sz="1100" dirty="0">
                 <a:latin typeface="Times New Roman" panose="02020603050405020304" pitchFamily="18" charset="0"/>
@@ -10152,16 +10065,12 @@
             <a:p>
               <a:pPr algn="ctr"/>
               <a:r>
-                <a:rPr lang="en-US" sz="1100" dirty="0" smtClean="0">
+                <a:rPr lang="en-US" sz="1100" dirty="0">
                   <a:latin typeface="Times New Roman" panose="02020603050405020304" pitchFamily="18" charset="0"/>
                   <a:cs typeface="Times New Roman" panose="02020603050405020304" pitchFamily="18" charset="0"/>
                 </a:rPr>
                 <a:t>IQ</a:t>
               </a:r>
-              <a:endParaRPr lang="en-US" sz="1100" dirty="0">
-                <a:latin typeface="Times New Roman" panose="02020603050405020304" pitchFamily="18" charset="0"/>
-                <a:cs typeface="Times New Roman" panose="02020603050405020304" pitchFamily="18" charset="0"/>
-              </a:endParaRPr>
             </a:p>
           </p:txBody>
         </p:sp>
@@ -10265,7 +10174,7 @@
             <a:p>
               <a:pPr algn="ctr"/>
               <a:r>
-                <a:rPr lang="en-US" altLang="zh-CN" dirty="0" smtClean="0">
+                <a:rPr lang="en-US" altLang="zh-CN" dirty="0">
                   <a:solidFill>
                     <a:schemeClr val="accent5">
                       <a:lumMod val="75000"/>
@@ -10352,7 +10261,7 @@
             <a:p>
               <a:pPr algn="ctr"/>
               <a:r>
-                <a:rPr lang="en-US" dirty="0" smtClean="0">
+                <a:rPr lang="en-US" dirty="0">
                   <a:solidFill>
                     <a:schemeClr val="accent5">
                       <a:lumMod val="75000"/>
@@ -10363,15 +10272,6 @@
                 </a:rPr>
                 <a:t>double</a:t>
               </a:r>
-              <a:endParaRPr lang="en-US" dirty="0">
-                <a:solidFill>
-                  <a:schemeClr val="accent5">
-                    <a:lumMod val="75000"/>
-                  </a:schemeClr>
-                </a:solidFill>
-                <a:latin typeface="Adobe Hebrew" panose="02040503050201020203" pitchFamily="18" charset="-79"/>
-                <a:cs typeface="Adobe Hebrew" panose="02040503050201020203" pitchFamily="18" charset="-79"/>
-              </a:endParaRPr>
             </a:p>
           </p:txBody>
         </p:sp>
@@ -10621,18 +10521,6 @@
             <a:p>
               <a:pPr algn="ctr"/>
               <a:r>
-                <a:rPr lang="en-US" altLang="zh-CN" dirty="0" smtClean="0">
-                  <a:solidFill>
-                    <a:schemeClr val="accent5">
-                      <a:lumMod val="75000"/>
-                    </a:schemeClr>
-                  </a:solidFill>
-                  <a:latin typeface="Adobe Hebrew" panose="02040503050201020203" pitchFamily="18" charset="-79"/>
-                  <a:cs typeface="Adobe Hebrew" panose="02040503050201020203" pitchFamily="18" charset="-79"/>
-                </a:rPr>
-                <a:t>double</a:t>
-              </a:r>
-              <a:r>
                 <a:rPr lang="en-US" altLang="zh-CN" dirty="0">
                   <a:solidFill>
                     <a:schemeClr val="accent5">
@@ -10642,19 +10530,7 @@
                   <a:latin typeface="Adobe Hebrew" panose="02040503050201020203" pitchFamily="18" charset="-79"/>
                   <a:cs typeface="Adobe Hebrew" panose="02040503050201020203" pitchFamily="18" charset="-79"/>
                 </a:rPr>
-                <a:t> </a:t>
-              </a:r>
-              <a:r>
-                <a:rPr lang="en-US" altLang="zh-CN" dirty="0" smtClean="0">
-                  <a:solidFill>
-                    <a:schemeClr val="accent5">
-                      <a:lumMod val="75000"/>
-                    </a:schemeClr>
-                  </a:solidFill>
-                  <a:latin typeface="Adobe Hebrew" panose="02040503050201020203" pitchFamily="18" charset="-79"/>
-                  <a:cs typeface="Adobe Hebrew" panose="02040503050201020203" pitchFamily="18" charset="-79"/>
-                </a:rPr>
-                <a:t>in 255</a:t>
+                <a:t>double in 255</a:t>
               </a:r>
               <a:endParaRPr lang="en-US" dirty="0">
                 <a:solidFill>
@@ -10741,29 +10617,8 @@
                   <a:latin typeface="Adobe Hebrew" panose="02040503050201020203" pitchFamily="18" charset="-79"/>
                   <a:cs typeface="Adobe Hebrew" panose="02040503050201020203" pitchFamily="18" charset="-79"/>
                 </a:rPr>
-                <a:t>d</a:t>
+                <a:t>double in 255</a:t>
               </a:r>
-              <a:r>
-                <a:rPr lang="en-US" dirty="0" smtClean="0">
-                  <a:solidFill>
-                    <a:schemeClr val="accent5">
-                      <a:lumMod val="75000"/>
-                    </a:schemeClr>
-                  </a:solidFill>
-                  <a:latin typeface="Adobe Hebrew" panose="02040503050201020203" pitchFamily="18" charset="-79"/>
-                  <a:cs typeface="Adobe Hebrew" panose="02040503050201020203" pitchFamily="18" charset="-79"/>
-                </a:rPr>
-                <a:t>ouble in 255</a:t>
-              </a:r>
-              <a:endParaRPr lang="en-US" dirty="0">
-                <a:solidFill>
-                  <a:schemeClr val="accent5">
-                    <a:lumMod val="75000"/>
-                  </a:schemeClr>
-                </a:solidFill>
-                <a:latin typeface="Adobe Hebrew" panose="02040503050201020203" pitchFamily="18" charset="-79"/>
-                <a:cs typeface="Adobe Hebrew" panose="02040503050201020203" pitchFamily="18" charset="-79"/>
-              </a:endParaRPr>
             </a:p>
           </p:txBody>
         </p:sp>
@@ -10796,37 +10651,33 @@
             <a:p>
               <a:pPr algn="ctr"/>
               <a:r>
-                <a:rPr lang="en-US" sz="1100" dirty="0" smtClean="0">
+                <a:rPr lang="en-US" sz="1100" dirty="0">
                   <a:latin typeface="Times New Roman" panose="02020603050405020304" pitchFamily="18" charset="0"/>
                   <a:cs typeface="Times New Roman" panose="02020603050405020304" pitchFamily="18" charset="0"/>
                 </a:rPr>
                 <a:t>255</a:t>
               </a:r>
               <a:r>
-                <a:rPr lang="zh-CN" altLang="en-US" sz="1100" dirty="0" smtClean="0">
+                <a:rPr lang="zh-CN" altLang="en-US" sz="1100" dirty="0">
                   <a:latin typeface="Times New Roman" panose="02020603050405020304" pitchFamily="18" charset="0"/>
                   <a:cs typeface="Times New Roman" panose="02020603050405020304" pitchFamily="18" charset="0"/>
                 </a:rPr>
                 <a:t>*</a:t>
               </a:r>
               <a:r>
-                <a:rPr lang="en-US" altLang="zh-CN" sz="1100" dirty="0" smtClean="0">
+                <a:rPr lang="en-US" altLang="zh-CN" sz="1100" dirty="0">
                   <a:latin typeface="Times New Roman" panose="02020603050405020304" pitchFamily="18" charset="0"/>
                   <a:cs typeface="Times New Roman" panose="02020603050405020304" pitchFamily="18" charset="0"/>
                 </a:rPr>
                 <a:t>array.</a:t>
               </a:r>
               <a:r>
-                <a:rPr lang="en-US" sz="1100" dirty="0" smtClean="0">
+                <a:rPr lang="en-US" sz="1100" dirty="0">
                   <a:latin typeface="Times New Roman" panose="02020603050405020304" pitchFamily="18" charset="0"/>
                   <a:cs typeface="Times New Roman" panose="02020603050405020304" pitchFamily="18" charset="0"/>
                 </a:rPr>
                 <a:t>/max(array)</a:t>
               </a:r>
-              <a:endParaRPr lang="en-US" sz="1100" dirty="0">
-                <a:latin typeface="Times New Roman" panose="02020603050405020304" pitchFamily="18" charset="0"/>
-                <a:cs typeface="Times New Roman" panose="02020603050405020304" pitchFamily="18" charset="0"/>
-              </a:endParaRPr>
             </a:p>
           </p:txBody>
         </p:sp>
@@ -11017,7 +10868,7 @@
             <a:p>
               <a:pPr algn="ctr"/>
               <a:r>
-                <a:rPr lang="en-US" dirty="0" err="1" smtClean="0">
+                <a:rPr lang="en-US" dirty="0" err="1">
                   <a:solidFill>
                     <a:schemeClr val="tx1"/>
                   </a:solidFill>
@@ -11132,7 +10983,7 @@
             <a:p>
               <a:pPr algn="ctr"/>
               <a:r>
-                <a:rPr lang="en-US" dirty="0" smtClean="0">
+                <a:rPr lang="en-US" dirty="0">
                   <a:solidFill>
                     <a:schemeClr val="accent5">
                       <a:lumMod val="75000"/>
@@ -11144,7 +10995,7 @@
                 <a:t>8-bit data</a:t>
               </a:r>
               <a:r>
-                <a:rPr lang="en-US" altLang="zh-CN" dirty="0" smtClean="0">
+                <a:rPr lang="en-US" altLang="zh-CN" dirty="0">
                   <a:solidFill>
                     <a:schemeClr val="accent5">
                       <a:lumMod val="75000"/>
@@ -11231,7 +11082,7 @@
             <a:p>
               <a:pPr algn="ctr"/>
               <a:r>
-                <a:rPr lang="en-US" dirty="0" smtClean="0">
+                <a:rPr lang="en-US" dirty="0">
                   <a:solidFill>
                     <a:schemeClr val="accent5">
                       <a:lumMod val="75000"/>
@@ -11243,7 +11094,7 @@
                 <a:t>8-bit data</a:t>
               </a:r>
               <a:r>
-                <a:rPr lang="en-US" altLang="zh-CN" dirty="0" smtClean="0">
+                <a:rPr lang="en-US" altLang="zh-CN" dirty="0">
                   <a:solidFill>
                     <a:schemeClr val="accent5">
                       <a:lumMod val="75000"/>
@@ -11593,7 +11444,7 @@
             <a:p>
               <a:pPr algn="ctr"/>
               <a:r>
-                <a:rPr lang="en-US" altLang="zh-CN" sz="1100" dirty="0" smtClean="0">
+                <a:rPr lang="en-US" altLang="zh-CN" sz="1100" dirty="0">
                   <a:latin typeface="Times New Roman" panose="02020603050405020304" pitchFamily="18" charset="0"/>
                   <a:cs typeface="Times New Roman" panose="02020603050405020304" pitchFamily="18" charset="0"/>
                 </a:rPr>
@@ -11635,7 +11486,7 @@
             <a:p>
               <a:pPr algn="ctr"/>
               <a:r>
-                <a:rPr lang="en-US" altLang="zh-CN" sz="1100" dirty="0" smtClean="0">
+                <a:rPr lang="en-US" altLang="zh-CN" sz="1100" dirty="0">
                   <a:latin typeface="Times New Roman" panose="02020603050405020304" pitchFamily="18" charset="0"/>
                   <a:cs typeface="Times New Roman" panose="02020603050405020304" pitchFamily="18" charset="0"/>
                 </a:rPr>
@@ -12109,19 +11960,7 @@
                   <a:latin typeface="Adobe Hebrew" panose="02040503050201020203" pitchFamily="18" charset="-79"/>
                   <a:cs typeface="Adobe Hebrew" panose="02040503050201020203" pitchFamily="18" charset="-79"/>
                 </a:rPr>
-                <a:t>32-bit </a:t>
-              </a:r>
-              <a:r>
-                <a:rPr lang="en-US" altLang="zh-CN" dirty="0" smtClean="0">
-                  <a:solidFill>
-                    <a:schemeClr val="accent5">
-                      <a:lumMod val="75000"/>
-                    </a:schemeClr>
-                  </a:solidFill>
-                  <a:latin typeface="Adobe Hebrew" panose="02040503050201020203" pitchFamily="18" charset="-79"/>
-                  <a:cs typeface="Adobe Hebrew" panose="02040503050201020203" pitchFamily="18" charset="-79"/>
-                </a:rPr>
-                <a:t>data1</a:t>
+                <a:t>32-bit data1</a:t>
               </a:r>
               <a:endParaRPr lang="en-US" dirty="0">
                 <a:solidFill>
@@ -12260,19 +12099,7 @@
                   <a:latin typeface="Adobe Hebrew" panose="02040503050201020203" pitchFamily="18" charset="-79"/>
                   <a:cs typeface="Adobe Hebrew" panose="02040503050201020203" pitchFamily="18" charset="-79"/>
                 </a:rPr>
-                <a:t>32-bit </a:t>
-              </a:r>
-              <a:r>
-                <a:rPr lang="en-US" altLang="zh-CN" dirty="0" smtClean="0">
-                  <a:solidFill>
-                    <a:schemeClr val="accent5">
-                      <a:lumMod val="75000"/>
-                    </a:schemeClr>
-                  </a:solidFill>
-                  <a:latin typeface="Adobe Hebrew" panose="02040503050201020203" pitchFamily="18" charset="-79"/>
-                  <a:cs typeface="Adobe Hebrew" panose="02040503050201020203" pitchFamily="18" charset="-79"/>
-                </a:rPr>
-                <a:t>data2</a:t>
+                <a:t>32-bit data2</a:t>
               </a:r>
               <a:endParaRPr lang="en-US" dirty="0">
                 <a:solidFill>
@@ -12313,14 +12140,14 @@
             <a:p>
               <a:pPr algn="ctr"/>
               <a:r>
-                <a:rPr lang="en-US" sz="1000" i="1" dirty="0" smtClean="0">
+                <a:rPr lang="en-US" sz="1000" i="1" dirty="0">
                   <a:latin typeface="Times New Roman" panose="02020603050405020304" pitchFamily="18" charset="0"/>
                   <a:cs typeface="Times New Roman" panose="02020603050405020304" pitchFamily="18" charset="0"/>
                 </a:rPr>
                 <a:t>D</a:t>
               </a:r>
               <a:r>
-                <a:rPr lang="en-US" altLang="zh-CN" sz="1000" i="1" dirty="0" smtClean="0">
+                <a:rPr lang="en-US" altLang="zh-CN" sz="1000" i="1" dirty="0">
                   <a:latin typeface="Times New Roman" panose="02020603050405020304" pitchFamily="18" charset="0"/>
                   <a:cs typeface="Times New Roman" panose="02020603050405020304" pitchFamily="18" charset="0"/>
                 </a:rPr>
@@ -12366,19 +12193,7 @@
                   <a:latin typeface="Adobe Hebrew" panose="02040503050201020203" pitchFamily="18" charset="-79"/>
                   <a:cs typeface="Adobe Hebrew" panose="02040503050201020203" pitchFamily="18" charset="-79"/>
                 </a:rPr>
-                <a:t>32-bit </a:t>
-              </a:r>
-              <a:r>
-                <a:rPr lang="en-US" altLang="zh-CN" dirty="0" smtClean="0">
-                  <a:solidFill>
-                    <a:schemeClr val="accent5">
-                      <a:lumMod val="75000"/>
-                    </a:schemeClr>
-                  </a:solidFill>
-                  <a:latin typeface="Adobe Hebrew" panose="02040503050201020203" pitchFamily="18" charset="-79"/>
-                  <a:cs typeface="Adobe Hebrew" panose="02040503050201020203" pitchFamily="18" charset="-79"/>
-                </a:rPr>
-                <a:t>data1</a:t>
+                <a:t>32-bit data1</a:t>
               </a:r>
               <a:endParaRPr lang="en-US" dirty="0">
                 <a:solidFill>
@@ -12425,19 +12240,7 @@
                   <a:latin typeface="Adobe Hebrew" panose="02040503050201020203" pitchFamily="18" charset="-79"/>
                   <a:cs typeface="Adobe Hebrew" panose="02040503050201020203" pitchFamily="18" charset="-79"/>
                 </a:rPr>
-                <a:t>32-bit </a:t>
-              </a:r>
-              <a:r>
-                <a:rPr lang="en-US" altLang="zh-CN" dirty="0" smtClean="0">
-                  <a:solidFill>
-                    <a:schemeClr val="accent5">
-                      <a:lumMod val="75000"/>
-                    </a:schemeClr>
-                  </a:solidFill>
-                  <a:latin typeface="Adobe Hebrew" panose="02040503050201020203" pitchFamily="18" charset="-79"/>
-                  <a:cs typeface="Adobe Hebrew" panose="02040503050201020203" pitchFamily="18" charset="-79"/>
-                </a:rPr>
-                <a:t>data2</a:t>
+                <a:t>32-bit data2</a:t>
               </a:r>
               <a:endParaRPr lang="en-US" dirty="0">
                 <a:solidFill>
@@ -12494,18 +12297,13 @@
             <a:p>
               <a:pPr algn="ctr"/>
               <a:r>
-                <a:rPr lang="en-US" dirty="0" smtClean="0">
+                <a:rPr lang="en-US" dirty="0">
                   <a:solidFill>
                     <a:schemeClr val="tx1"/>
                   </a:solidFill>
                 </a:rPr>
                 <a:t>IMAQ</a:t>
               </a:r>
-              <a:endParaRPr lang="en-US" dirty="0">
-                <a:solidFill>
-                  <a:schemeClr val="tx1"/>
-                </a:solidFill>
-              </a:endParaRPr>
             </a:p>
           </p:txBody>
         </p:sp>
@@ -12963,13 +12761,6 @@
   <p:clrMapOvr>
     <a:masterClrMapping/>
   </p:clrMapOvr>
-  <p:timing>
-    <p:tnLst>
-      <p:par>
-        <p:cTn id="1" dur="indefinite" restart="never" nodeType="tmRoot"/>
-      </p:par>
-    </p:tnLst>
-  </p:timing>
 </p:sld>
 </file>
 
@@ -12998,7 +12789,7 @@
         </p:nvSpPr>
         <p:spPr>
           <a:xfrm>
-            <a:off x="0" y="3053622"/>
+            <a:off x="388408" y="842012"/>
             <a:ext cx="1800000" cy="432000"/>
           </a:xfrm>
           <a:prstGeom prst="rect">
@@ -13033,7 +12824,7 @@
           <a:p>
             <a:pPr algn="ctr"/>
             <a:r>
-              <a:rPr kumimoji="1" lang="en-US" altLang="zh-CN" sz="1400" dirty="0" smtClean="0">
+              <a:rPr kumimoji="1" lang="en-US" altLang="zh-CN" sz="1400" dirty="0">
                 <a:solidFill>
                   <a:schemeClr val="bg1"/>
                 </a:solidFill>
@@ -13044,7 +12835,7 @@
               <a:t>Queue(64</a:t>
             </a:r>
             <a:r>
-              <a:rPr kumimoji="1" lang="zh-CN" altLang="en-US" sz="1400" dirty="0" smtClean="0">
+              <a:rPr kumimoji="1" lang="zh-CN" altLang="en-US" sz="1400" dirty="0">
                 <a:solidFill>
                   <a:schemeClr val="bg1"/>
                 </a:solidFill>
@@ -13055,7 +12846,7 @@
               <a:t> </a:t>
             </a:r>
             <a:r>
-              <a:rPr kumimoji="1" lang="en-US" altLang="zh-CN" sz="1400" dirty="0" smtClean="0">
+              <a:rPr kumimoji="1" lang="en-US" altLang="zh-CN" sz="1400" dirty="0">
                 <a:solidFill>
                   <a:schemeClr val="bg1"/>
                 </a:solidFill>
@@ -13084,8 +12875,8 @@
         </p:nvSpPr>
         <p:spPr>
           <a:xfrm>
-            <a:off x="3314265" y="720692"/>
-            <a:ext cx="1980000" cy="540000"/>
+            <a:off x="3280605" y="788012"/>
+            <a:ext cx="1944000" cy="540000"/>
           </a:xfrm>
           <a:prstGeom prst="ellipse">
             <a:avLst/>
@@ -13113,7 +12904,7 @@
           <a:p>
             <a:pPr algn="ctr"/>
             <a:r>
-              <a:rPr kumimoji="1" lang="en-US" altLang="zh-CN" sz="1400" smtClean="0">
+              <a:rPr kumimoji="1" lang="en-US" altLang="zh-CN" sz="1400">
                 <a:latin typeface="Century Gothic" charset="0"/>
                 <a:ea typeface="Century Gothic" charset="0"/>
                 <a:cs typeface="Century Gothic" charset="0"/>
@@ -13136,7 +12927,7 @@
         </p:nvSpPr>
         <p:spPr>
           <a:xfrm>
-            <a:off x="3404265" y="1547591"/>
+            <a:off x="3352605" y="1559402"/>
             <a:ext cx="1800000" cy="432000"/>
           </a:xfrm>
           <a:prstGeom prst="rect">
@@ -13171,7 +12962,7 @@
           <a:p>
             <a:pPr algn="ctr"/>
             <a:r>
-              <a:rPr kumimoji="1" lang="en-US" altLang="zh-CN" sz="1400" dirty="0" smtClean="0">
+              <a:rPr kumimoji="1" lang="en-US" altLang="zh-CN" sz="1400" dirty="0">
                 <a:solidFill>
                   <a:schemeClr val="bg1"/>
                 </a:solidFill>
@@ -13182,7 +12973,7 @@
               <a:t>Array(64</a:t>
             </a:r>
             <a:r>
-              <a:rPr kumimoji="1" lang="zh-CN" altLang="en-US" sz="1400" dirty="0" smtClean="0">
+              <a:rPr kumimoji="1" lang="zh-CN" altLang="en-US" sz="1400" dirty="0">
                 <a:solidFill>
                   <a:schemeClr val="bg1"/>
                 </a:solidFill>
@@ -13193,7 +12984,7 @@
               <a:t> </a:t>
             </a:r>
             <a:r>
-              <a:rPr kumimoji="1" lang="en-US" altLang="zh-CN" sz="1400" dirty="0" smtClean="0">
+              <a:rPr kumimoji="1" lang="en-US" altLang="zh-CN" sz="1400" dirty="0">
                 <a:solidFill>
                   <a:schemeClr val="bg1"/>
                 </a:solidFill>
@@ -13222,10 +13013,10 @@
         </p:nvGrpSpPr>
         <p:grpSpPr>
           <a:xfrm>
-            <a:off x="6195286" y="568952"/>
-            <a:ext cx="5113189" cy="2078745"/>
+            <a:off x="6161626" y="636272"/>
+            <a:ext cx="5332885" cy="2078745"/>
             <a:chOff x="6209235" y="649584"/>
-            <a:chExt cx="5113189" cy="2078745"/>
+            <a:chExt cx="5332885" cy="2078745"/>
           </a:xfrm>
         </p:grpSpPr>
         <p:sp>
@@ -13237,7 +13028,7 @@
           <p:spPr>
             <a:xfrm>
               <a:off x="6209235" y="966313"/>
-              <a:ext cx="5113189" cy="1762016"/>
+              <a:ext cx="5332885" cy="1762016"/>
             </a:xfrm>
             <a:prstGeom prst="rect">
               <a:avLst/>
@@ -13296,7 +13087,7 @@
             <a:lstStyle/>
             <a:p>
               <a:r>
-                <a:rPr kumimoji="1" lang="en-US" altLang="zh-CN" sz="1400" dirty="0" err="1" smtClean="0">
+                <a:rPr kumimoji="1" lang="en-US" altLang="zh-CN" sz="1400" dirty="0" err="1">
                   <a:latin typeface="Century Gothic" charset="0"/>
                   <a:ea typeface="Century Gothic" charset="0"/>
                   <a:cs typeface="Century Gothic" charset="0"/>
@@ -13320,8 +13111,8 @@
         </p:nvSpPr>
         <p:spPr>
           <a:xfrm>
-            <a:off x="6444906" y="1490649"/>
-            <a:ext cx="1980000" cy="540000"/>
+            <a:off x="6411246" y="1557969"/>
+            <a:ext cx="1944000" cy="432000"/>
           </a:xfrm>
           <a:prstGeom prst="ellipse">
             <a:avLst/>
@@ -13349,7 +13140,7 @@
           <a:p>
             <a:pPr algn="ctr"/>
             <a:r>
-              <a:rPr kumimoji="1" lang="en-US" altLang="zh-CN" sz="1400" dirty="0" err="1" smtClean="0">
+              <a:rPr kumimoji="1" lang="en-US" altLang="zh-CN" sz="1400" dirty="0" err="1">
                 <a:latin typeface="Century Gothic" charset="0"/>
                 <a:ea typeface="Century Gothic" charset="0"/>
                 <a:cs typeface="Century Gothic" charset="0"/>
@@ -13357,7 +13148,7 @@
               <a:t>Div</a:t>
             </a:r>
             <a:r>
-              <a:rPr kumimoji="1" lang="zh-CN" altLang="en-US" sz="1400" dirty="0" smtClean="0">
+              <a:rPr kumimoji="1" lang="zh-CN" altLang="en-US" sz="1400" dirty="0">
                 <a:latin typeface="Century Gothic" charset="0"/>
                 <a:ea typeface="Century Gothic" charset="0"/>
                 <a:cs typeface="Century Gothic" charset="0"/>
@@ -13365,7 +13156,7 @@
               <a:t> </a:t>
             </a:r>
             <a:r>
-              <a:rPr kumimoji="1" lang="en-US" altLang="zh-CN" sz="1400" dirty="0" smtClean="0">
+              <a:rPr kumimoji="1" lang="en-US" altLang="zh-CN" sz="1400" dirty="0">
                 <a:latin typeface="Century Gothic" charset="0"/>
                 <a:ea typeface="Century Gothic" charset="0"/>
                 <a:cs typeface="Century Gothic" charset="0"/>
@@ -13373,7 +13164,7 @@
               <a:t>by</a:t>
             </a:r>
             <a:r>
-              <a:rPr kumimoji="1" lang="zh-CN" altLang="en-US" sz="1400" dirty="0" smtClean="0">
+              <a:rPr kumimoji="1" lang="zh-CN" altLang="en-US" sz="1400" dirty="0">
                 <a:latin typeface="Century Gothic" charset="0"/>
                 <a:ea typeface="Century Gothic" charset="0"/>
                 <a:cs typeface="Century Gothic" charset="0"/>
@@ -13381,12 +13172,12 @@
               <a:t> </a:t>
             </a:r>
             <a:r>
-              <a:rPr kumimoji="1" lang="en-US" altLang="zh-CN" sz="1400" dirty="0" smtClean="0">
+              <a:rPr kumimoji="1" lang="en-US" altLang="zh-CN" sz="1400" dirty="0">
                 <a:latin typeface="Century Gothic" charset="0"/>
                 <a:ea typeface="Century Gothic" charset="0"/>
                 <a:cs typeface="Century Gothic" charset="0"/>
               </a:rPr>
-              <a:t>2^(32)</a:t>
+              <a:t>2^32</a:t>
             </a:r>
             <a:endParaRPr kumimoji="1" lang="zh-CN" altLang="en-US" sz="1400" dirty="0">
               <a:latin typeface="Century Gothic" charset="0"/>
@@ -13404,7 +13195,7 @@
         </p:nvSpPr>
         <p:spPr>
           <a:xfrm>
-            <a:off x="9505927" y="1115591"/>
+            <a:off x="9472267" y="1182911"/>
             <a:ext cx="1800000" cy="432000"/>
           </a:xfrm>
           <a:prstGeom prst="rect">
@@ -13439,7 +13230,7 @@
           <a:p>
             <a:pPr algn="ctr"/>
             <a:r>
-              <a:rPr kumimoji="1" lang="en-US" altLang="zh-CN" sz="1400" dirty="0" smtClean="0">
+              <a:rPr kumimoji="1" lang="en-US" altLang="zh-CN" sz="1400" dirty="0">
                 <a:solidFill>
                   <a:schemeClr val="bg1"/>
                 </a:solidFill>
@@ -13468,7 +13259,7 @@
         </p:nvSpPr>
         <p:spPr>
           <a:xfrm>
-            <a:off x="9505927" y="1950076"/>
+            <a:off x="9472267" y="2017396"/>
             <a:ext cx="1800000" cy="432000"/>
           </a:xfrm>
           <a:prstGeom prst="rect">
@@ -13503,7 +13294,7 @@
           <a:p>
             <a:pPr algn="ctr"/>
             <a:r>
-              <a:rPr kumimoji="1" lang="en-US" altLang="zh-CN" sz="1400" dirty="0" smtClean="0">
+              <a:rPr kumimoji="1" lang="en-US" altLang="zh-CN" sz="1400" dirty="0">
                 <a:solidFill>
                   <a:schemeClr val="bg1"/>
                 </a:solidFill>
@@ -13524,113 +13315,126 @@
           </a:p>
         </p:txBody>
       </p:sp>
-      <p:sp>
-        <p:nvSpPr>
-          <p:cNvPr id="15" name="矩形 14"/>
-          <p:cNvSpPr/>
+      <p:grpSp>
+        <p:nvGrpSpPr>
+          <p:cNvPr id="2" name="组合 1">
+            <a:extLst>
+              <a:ext uri="{FF2B5EF4-FFF2-40B4-BE49-F238E27FC236}">
+                <a16:creationId xmlns:a16="http://schemas.microsoft.com/office/drawing/2014/main" id="{E4A4F78D-73FD-40AC-BD3E-81C4128559B9}"/>
+              </a:ext>
+            </a:extLst>
+          </p:cNvPr>
+          <p:cNvGrpSpPr/>
           <p:nvPr/>
-        </p:nvSpPr>
-        <p:spPr>
+        </p:nvGrpSpPr>
+        <p:grpSpPr>
           <a:xfrm>
-            <a:off x="2050698" y="3235273"/>
-            <a:ext cx="5126636" cy="2554346"/>
+            <a:off x="4118158" y="2919603"/>
+            <a:ext cx="5126636" cy="2863482"/>
+            <a:chOff x="3314265" y="2836477"/>
+            <a:chExt cx="5126636" cy="2863482"/>
           </a:xfrm>
-          <a:prstGeom prst="rect">
-            <a:avLst/>
-          </a:prstGeom>
-          <a:noFill/>
-        </p:spPr>
-        <p:style>
-          <a:lnRef idx="2">
-            <a:schemeClr val="accent1">
-              <a:shade val="50000"/>
-            </a:schemeClr>
-          </a:lnRef>
-          <a:fillRef idx="1">
-            <a:schemeClr val="accent1"/>
-          </a:fillRef>
-          <a:effectRef idx="0">
-            <a:schemeClr val="accent1"/>
-          </a:effectRef>
-          <a:fontRef idx="minor">
-            <a:schemeClr val="lt1"/>
-          </a:fontRef>
-        </p:style>
-        <p:txBody>
-          <a:bodyPr rtlCol="0" anchor="ctr"/>
-          <a:lstStyle/>
-          <a:p>
-            <a:pPr algn="ctr"/>
-            <a:endParaRPr kumimoji="1" lang="zh-CN" altLang="en-US" sz="1400">
-              <a:latin typeface="Century Gothic" charset="0"/>
-              <a:ea typeface="Century Gothic" charset="0"/>
-              <a:cs typeface="Century Gothic" charset="0"/>
-            </a:endParaRPr>
-          </a:p>
-        </p:txBody>
-      </p:sp>
-      <p:sp>
-        <p:nvSpPr>
-          <p:cNvPr id="16" name="文本框 15"/>
-          <p:cNvSpPr txBox="1"/>
-          <p:nvPr/>
-        </p:nvSpPr>
-        <p:spPr>
-          <a:xfrm>
-            <a:off x="2050700" y="2885054"/>
-            <a:ext cx="3876057" cy="307777"/>
-          </a:xfrm>
-          <a:prstGeom prst="rect">
-            <a:avLst/>
-          </a:prstGeom>
-          <a:noFill/>
-        </p:spPr>
-        <p:txBody>
-          <a:bodyPr wrap="square" rtlCol="0">
-            <a:spAutoFit/>
-          </a:bodyPr>
-          <a:lstStyle/>
-          <a:p>
-            <a:r>
-              <a:rPr kumimoji="1" lang="en-US" altLang="zh-CN" sz="1400" dirty="0" err="1" smtClean="0">
+        </p:grpSpPr>
+        <p:sp>
+          <p:nvSpPr>
+            <p:cNvPr id="15" name="矩形 14"/>
+            <p:cNvSpPr/>
+            <p:nvPr/>
+          </p:nvSpPr>
+          <p:spPr>
+            <a:xfrm>
+              <a:off x="3314265" y="3145613"/>
+              <a:ext cx="5126636" cy="2554346"/>
+            </a:xfrm>
+            <a:prstGeom prst="rect">
+              <a:avLst/>
+            </a:prstGeom>
+            <a:noFill/>
+          </p:spPr>
+          <p:style>
+            <a:lnRef idx="2">
+              <a:schemeClr val="accent1">
+                <a:shade val="50000"/>
+              </a:schemeClr>
+            </a:lnRef>
+            <a:fillRef idx="1">
+              <a:schemeClr val="accent1"/>
+            </a:fillRef>
+            <a:effectRef idx="0">
+              <a:schemeClr val="accent1"/>
+            </a:effectRef>
+            <a:fontRef idx="minor">
+              <a:schemeClr val="lt1"/>
+            </a:fontRef>
+          </p:style>
+          <p:txBody>
+            <a:bodyPr rtlCol="0" anchor="ctr"/>
+            <a:lstStyle/>
+            <a:p>
+              <a:pPr algn="ctr"/>
+              <a:endParaRPr kumimoji="1" lang="zh-CN" altLang="en-US" sz="1400" dirty="0">
                 <a:latin typeface="Century Gothic" charset="0"/>
                 <a:ea typeface="Century Gothic" charset="0"/>
                 <a:cs typeface="Century Gothic" charset="0"/>
-              </a:rPr>
-              <a:t>Array_to_Image.vi</a:t>
-            </a:r>
-            <a:r>
-              <a:rPr kumimoji="1" lang="en-US" altLang="zh-CN" sz="1400" dirty="0" smtClean="0">
+              </a:endParaRPr>
+            </a:p>
+          </p:txBody>
+        </p:sp>
+        <p:sp>
+          <p:nvSpPr>
+            <p:cNvPr id="16" name="文本框 15"/>
+            <p:cNvSpPr txBox="1"/>
+            <p:nvPr/>
+          </p:nvSpPr>
+          <p:spPr>
+            <a:xfrm>
+              <a:off x="3314265" y="2836477"/>
+              <a:ext cx="3876057" cy="307777"/>
+            </a:xfrm>
+            <a:prstGeom prst="rect">
+              <a:avLst/>
+            </a:prstGeom>
+            <a:noFill/>
+          </p:spPr>
+          <p:txBody>
+            <a:bodyPr wrap="square" rtlCol="0">
+              <a:spAutoFit/>
+            </a:bodyPr>
+            <a:lstStyle/>
+            <a:p>
+              <a:r>
+                <a:rPr kumimoji="1" lang="en-US" altLang="zh-CN" sz="1400" dirty="0">
+                  <a:latin typeface="Century Gothic" charset="0"/>
+                  <a:ea typeface="Century Gothic" charset="0"/>
+                  <a:cs typeface="Century Gothic" charset="0"/>
+                </a:rPr>
+                <a:t>Array_to_Image.vi (Channel</a:t>
+              </a:r>
+              <a:r>
+                <a:rPr kumimoji="1" lang="zh-CN" altLang="en-US" sz="1400" dirty="0">
+                  <a:latin typeface="Century Gothic" charset="0"/>
+                  <a:ea typeface="Century Gothic" charset="0"/>
+                  <a:cs typeface="Century Gothic" charset="0"/>
+                </a:rPr>
+                <a:t> </a:t>
+              </a:r>
+              <a:r>
+                <a:rPr kumimoji="1" lang="en-US" altLang="zh-CN" sz="1400" dirty="0">
+                  <a:latin typeface="Century Gothic" charset="0"/>
+                  <a:ea typeface="Century Gothic" charset="0"/>
+                  <a:cs typeface="Century Gothic" charset="0"/>
+                </a:rPr>
+                <a:t>0)</a:t>
+              </a:r>
+              <a:endParaRPr kumimoji="1" lang="zh-CN" altLang="en-US" sz="1400" dirty="0">
                 <a:latin typeface="Century Gothic" charset="0"/>
                 <a:ea typeface="Century Gothic" charset="0"/>
                 <a:cs typeface="Century Gothic" charset="0"/>
-              </a:rPr>
-              <a:t>(channel</a:t>
-            </a:r>
-            <a:r>
-              <a:rPr kumimoji="1" lang="zh-CN" altLang="en-US" sz="1400" dirty="0" smtClean="0">
-                <a:latin typeface="Century Gothic" charset="0"/>
-                <a:ea typeface="Century Gothic" charset="0"/>
-                <a:cs typeface="Century Gothic" charset="0"/>
-              </a:rPr>
-              <a:t> </a:t>
-            </a:r>
-            <a:r>
-              <a:rPr kumimoji="1" lang="en-US" altLang="zh-CN" sz="1400" dirty="0" smtClean="0">
-                <a:latin typeface="Century Gothic" charset="0"/>
-                <a:ea typeface="Century Gothic" charset="0"/>
-                <a:cs typeface="Century Gothic" charset="0"/>
-              </a:rPr>
-              <a:t>0)</a:t>
-            </a:r>
-            <a:endParaRPr kumimoji="1" lang="zh-CN" altLang="en-US" sz="1400" dirty="0">
-              <a:latin typeface="Century Gothic" charset="0"/>
-              <a:ea typeface="Century Gothic" charset="0"/>
-              <a:cs typeface="Century Gothic" charset="0"/>
-            </a:endParaRPr>
-          </a:p>
-        </p:txBody>
-      </p:sp>
+              </a:endParaRPr>
+            </a:p>
+          </p:txBody>
+        </p:sp>
+      </p:grpSp>
       <p:sp>
         <p:nvSpPr>
           <p:cNvPr id="18" name="矩形 17"/>
@@ -13639,17 +13443,17 @@
         </p:nvSpPr>
         <p:spPr>
           <a:xfrm>
-            <a:off x="2262265" y="3405575"/>
-            <a:ext cx="1445727" cy="436938"/>
+            <a:off x="4509030" y="3377846"/>
+            <a:ext cx="1800000" cy="432000"/>
           </a:xfrm>
           <a:prstGeom prst="rect">
             <a:avLst/>
           </a:prstGeom>
-          <a:noFill/>
+          <a:solidFill>
+            <a:schemeClr val="accent1"/>
+          </a:solidFill>
           <a:ln>
-            <a:solidFill>
-              <a:schemeClr val="accent1"/>
-            </a:solidFill>
+            <a:noFill/>
           </a:ln>
         </p:spPr>
         <p:style>
@@ -13676,28 +13480,17 @@
             <a:r>
               <a:rPr kumimoji="1" lang="en-US" altLang="zh-CN" sz="1400" dirty="0">
                 <a:solidFill>
-                  <a:sysClr val="windowText" lastClr="000000"/>
+                  <a:schemeClr val="bg1"/>
                 </a:solidFill>
                 <a:latin typeface="Century Gothic" charset="0"/>
                 <a:ea typeface="Century Gothic" charset="0"/>
                 <a:cs typeface="Century Gothic" charset="0"/>
               </a:rPr>
-              <a:t>A</a:t>
-            </a:r>
-            <a:r>
-              <a:rPr kumimoji="1" lang="en-US" altLang="zh-CN" sz="1400" dirty="0" smtClean="0">
-                <a:solidFill>
-                  <a:sysClr val="windowText" lastClr="000000"/>
-                </a:solidFill>
-                <a:latin typeface="Century Gothic" charset="0"/>
-                <a:ea typeface="Century Gothic" charset="0"/>
-                <a:cs typeface="Century Gothic" charset="0"/>
-              </a:rPr>
-              <a:t>rray(32bit)</a:t>
+              <a:t>Array(32bit)</a:t>
             </a:r>
             <a:endParaRPr kumimoji="1" lang="zh-CN" altLang="en-US" sz="1400" dirty="0">
               <a:solidFill>
-                <a:sysClr val="windowText" lastClr="000000"/>
+                <a:schemeClr val="bg1"/>
               </a:solidFill>
               <a:latin typeface="Century Gothic" charset="0"/>
               <a:ea typeface="Century Gothic" charset="0"/>
@@ -13714,8 +13507,8 @@
         </p:nvSpPr>
         <p:spPr>
           <a:xfrm>
-            <a:off x="4131834" y="3393628"/>
-            <a:ext cx="2211782" cy="472639"/>
+            <a:off x="6656687" y="3323846"/>
+            <a:ext cx="1944000" cy="540000"/>
           </a:xfrm>
           <a:prstGeom prst="ellipse">
             <a:avLst/>
@@ -13743,7 +13536,7 @@
           <a:p>
             <a:pPr algn="ctr"/>
             <a:r>
-              <a:rPr kumimoji="1" lang="en-US" altLang="zh-CN" sz="1400" dirty="0" smtClean="0">
+              <a:rPr kumimoji="1" lang="en-US" altLang="zh-CN" sz="1400" dirty="0">
                 <a:latin typeface="Century Gothic" charset="0"/>
                 <a:ea typeface="Century Gothic" charset="0"/>
                 <a:cs typeface="Century Gothic" charset="0"/>
@@ -13758,89 +13551,110 @@
           </a:p>
         </p:txBody>
       </p:sp>
-      <p:sp>
-        <p:nvSpPr>
-          <p:cNvPr id="22" name="矩形 21"/>
-          <p:cNvSpPr/>
+      <p:grpSp>
+        <p:nvGrpSpPr>
+          <p:cNvPr id="80" name="组合 79">
+            <a:extLst>
+              <a:ext uri="{FF2B5EF4-FFF2-40B4-BE49-F238E27FC236}">
+                <a16:creationId xmlns:a16="http://schemas.microsoft.com/office/drawing/2014/main" id="{F6627C34-55EB-4531-AE18-73AA94F21B3D}"/>
+              </a:ext>
+            </a:extLst>
+          </p:cNvPr>
+          <p:cNvGrpSpPr/>
           <p:nvPr/>
-        </p:nvSpPr>
-        <p:spPr>
+        </p:nvGrpSpPr>
+        <p:grpSpPr>
           <a:xfrm>
-            <a:off x="2591888" y="4207376"/>
-            <a:ext cx="4240084" cy="1393983"/>
+            <a:off x="4436812" y="3939542"/>
+            <a:ext cx="4240084" cy="1696919"/>
+            <a:chOff x="3799069" y="3806109"/>
+            <a:chExt cx="4240084" cy="1696919"/>
           </a:xfrm>
-          <a:prstGeom prst="rect">
-            <a:avLst/>
-          </a:prstGeom>
-          <a:noFill/>
-        </p:spPr>
-        <p:style>
-          <a:lnRef idx="2">
-            <a:schemeClr val="accent1">
-              <a:shade val="50000"/>
-            </a:schemeClr>
-          </a:lnRef>
-          <a:fillRef idx="1">
-            <a:schemeClr val="accent1"/>
-          </a:fillRef>
-          <a:effectRef idx="0">
-            <a:schemeClr val="accent1"/>
-          </a:effectRef>
-          <a:fontRef idx="minor">
-            <a:schemeClr val="lt1"/>
-          </a:fontRef>
-        </p:style>
-        <p:txBody>
-          <a:bodyPr rtlCol="0" anchor="ctr"/>
-          <a:lstStyle/>
-          <a:p>
-            <a:pPr algn="ctr"/>
-            <a:endParaRPr kumimoji="1" lang="zh-CN" altLang="en-US" sz="1400">
-              <a:latin typeface="Century Gothic" charset="0"/>
-              <a:ea typeface="Century Gothic" charset="0"/>
-              <a:cs typeface="Century Gothic" charset="0"/>
-            </a:endParaRPr>
-          </a:p>
-        </p:txBody>
-      </p:sp>
-      <p:sp>
-        <p:nvSpPr>
-          <p:cNvPr id="23" name="文本框 22"/>
-          <p:cNvSpPr txBox="1"/>
-          <p:nvPr/>
-        </p:nvSpPr>
-        <p:spPr>
-          <a:xfrm>
-            <a:off x="3678247" y="3848655"/>
-            <a:ext cx="1721946" cy="307777"/>
-          </a:xfrm>
-          <a:prstGeom prst="rect">
-            <a:avLst/>
-          </a:prstGeom>
-          <a:noFill/>
-        </p:spPr>
-        <p:txBody>
-          <a:bodyPr wrap="none" rtlCol="0">
-            <a:spAutoFit/>
-          </a:bodyPr>
-          <a:lstStyle/>
-          <a:p>
-            <a:r>
-              <a:rPr kumimoji="1" lang="en-US" altLang="zh-CN" sz="1400" dirty="0" err="1" smtClean="0">
+        </p:grpSpPr>
+        <p:sp>
+          <p:nvSpPr>
+            <p:cNvPr id="22" name="矩形 21"/>
+            <p:cNvSpPr/>
+            <p:nvPr/>
+          </p:nvSpPr>
+          <p:spPr>
+            <a:xfrm>
+              <a:off x="3799069" y="4109045"/>
+              <a:ext cx="4240084" cy="1393983"/>
+            </a:xfrm>
+            <a:prstGeom prst="rect">
+              <a:avLst/>
+            </a:prstGeom>
+            <a:noFill/>
+          </p:spPr>
+          <p:style>
+            <a:lnRef idx="2">
+              <a:schemeClr val="accent1">
+                <a:shade val="50000"/>
+              </a:schemeClr>
+            </a:lnRef>
+            <a:fillRef idx="1">
+              <a:schemeClr val="accent1"/>
+            </a:fillRef>
+            <a:effectRef idx="0">
+              <a:schemeClr val="accent1"/>
+            </a:effectRef>
+            <a:fontRef idx="minor">
+              <a:schemeClr val="lt1"/>
+            </a:fontRef>
+          </p:style>
+          <p:txBody>
+            <a:bodyPr rtlCol="0" anchor="ctr"/>
+            <a:lstStyle/>
+            <a:p>
+              <a:pPr algn="ctr"/>
+              <a:endParaRPr kumimoji="1" lang="zh-CN" altLang="en-US" sz="1400">
                 <a:latin typeface="Century Gothic" charset="0"/>
                 <a:ea typeface="Century Gothic" charset="0"/>
                 <a:cs typeface="Century Gothic" charset="0"/>
-              </a:rPr>
-              <a:t>Contrast_adjust.vi</a:t>
-            </a:r>
-            <a:endParaRPr kumimoji="1" lang="zh-CN" altLang="en-US" sz="1400" dirty="0">
-              <a:latin typeface="Century Gothic" charset="0"/>
-              <a:ea typeface="Century Gothic" charset="0"/>
-              <a:cs typeface="Century Gothic" charset="0"/>
-            </a:endParaRPr>
-          </a:p>
-        </p:txBody>
-      </p:sp>
+              </a:endParaRPr>
+            </a:p>
+          </p:txBody>
+        </p:sp>
+        <p:sp>
+          <p:nvSpPr>
+            <p:cNvPr id="23" name="文本框 22"/>
+            <p:cNvSpPr txBox="1"/>
+            <p:nvPr/>
+          </p:nvSpPr>
+          <p:spPr>
+            <a:xfrm>
+              <a:off x="3799069" y="3806109"/>
+              <a:ext cx="1721946" cy="307777"/>
+            </a:xfrm>
+            <a:prstGeom prst="rect">
+              <a:avLst/>
+            </a:prstGeom>
+            <a:noFill/>
+          </p:spPr>
+          <p:txBody>
+            <a:bodyPr wrap="none" rtlCol="0">
+              <a:spAutoFit/>
+            </a:bodyPr>
+            <a:lstStyle/>
+            <a:p>
+              <a:r>
+                <a:rPr kumimoji="1" lang="en-US" altLang="zh-CN" sz="1400" dirty="0" err="1">
+                  <a:latin typeface="Century Gothic" charset="0"/>
+                  <a:ea typeface="Century Gothic" charset="0"/>
+                  <a:cs typeface="Century Gothic" charset="0"/>
+                </a:rPr>
+                <a:t>Contrast_adjust.vi</a:t>
+              </a:r>
+              <a:endParaRPr kumimoji="1" lang="zh-CN" altLang="en-US" sz="1400" dirty="0">
+                <a:latin typeface="Century Gothic" charset="0"/>
+                <a:ea typeface="Century Gothic" charset="0"/>
+                <a:cs typeface="Century Gothic" charset="0"/>
+              </a:endParaRPr>
+            </a:p>
+          </p:txBody>
+        </p:sp>
+      </p:grpSp>
       <p:sp>
         <p:nvSpPr>
           <p:cNvPr id="24" name="椭圆 23"/>
@@ -13849,8 +13663,8 @@
         </p:nvSpPr>
         <p:spPr>
           <a:xfrm>
-            <a:off x="5068131" y="4554415"/>
-            <a:ext cx="1980000" cy="540000"/>
+            <a:off x="4657387" y="4688122"/>
+            <a:ext cx="1800000" cy="540000"/>
           </a:xfrm>
           <a:prstGeom prst="ellipse">
             <a:avLst/>
@@ -13878,7 +13692,7 @@
           <a:p>
             <a:pPr algn="ctr"/>
             <a:r>
-              <a:rPr kumimoji="1" lang="en-US" altLang="zh-CN" sz="1400" dirty="0" smtClean="0">
+              <a:rPr kumimoji="1" lang="en-US" altLang="zh-CN" sz="1400" dirty="0">
                 <a:latin typeface="Century Gothic" charset="0"/>
                 <a:ea typeface="Century Gothic" charset="0"/>
                 <a:cs typeface="Century Gothic" charset="0"/>
@@ -13886,7 +13700,7 @@
               <a:t>Limit</a:t>
             </a:r>
             <a:r>
-              <a:rPr kumimoji="1" lang="zh-CN" altLang="en-US" sz="1400" dirty="0" smtClean="0">
+              <a:rPr kumimoji="1" lang="zh-CN" altLang="en-US" sz="1400" dirty="0">
                 <a:latin typeface="Century Gothic" charset="0"/>
                 <a:ea typeface="Century Gothic" charset="0"/>
                 <a:cs typeface="Century Gothic" charset="0"/>
@@ -13894,7 +13708,7 @@
               <a:t> </a:t>
             </a:r>
             <a:r>
-              <a:rPr kumimoji="1" lang="en-US" altLang="zh-CN" sz="1400" dirty="0" smtClean="0">
+              <a:rPr kumimoji="1" lang="en-US" altLang="zh-CN" sz="1400" dirty="0">
                 <a:latin typeface="Century Gothic" charset="0"/>
                 <a:ea typeface="Century Gothic" charset="0"/>
                 <a:cs typeface="Century Gothic" charset="0"/>
@@ -13902,7 +13716,7 @@
               <a:t>data</a:t>
             </a:r>
             <a:r>
-              <a:rPr kumimoji="1" lang="zh-CN" altLang="en-US" sz="1400" dirty="0" smtClean="0">
+              <a:rPr kumimoji="1" lang="zh-CN" altLang="en-US" sz="1400" dirty="0">
                 <a:latin typeface="Century Gothic" charset="0"/>
                 <a:ea typeface="Century Gothic" charset="0"/>
                 <a:cs typeface="Century Gothic" charset="0"/>
@@ -13910,7 +13724,7 @@
               <a:t> </a:t>
             </a:r>
             <a:r>
-              <a:rPr kumimoji="1" lang="en-US" altLang="zh-CN" sz="1400" dirty="0" smtClean="0">
+              <a:rPr kumimoji="1" lang="en-US" altLang="zh-CN" sz="1400" dirty="0">
                 <a:latin typeface="Century Gothic" charset="0"/>
                 <a:ea typeface="Century Gothic" charset="0"/>
                 <a:cs typeface="Century Gothic" charset="0"/>
@@ -13918,7 +13732,7 @@
               <a:t>in</a:t>
             </a:r>
             <a:r>
-              <a:rPr kumimoji="1" lang="zh-CN" altLang="en-US" sz="1400" dirty="0" smtClean="0">
+              <a:rPr kumimoji="1" lang="zh-CN" altLang="en-US" sz="1400" dirty="0">
                 <a:latin typeface="Century Gothic" charset="0"/>
                 <a:ea typeface="Century Gothic" charset="0"/>
                 <a:cs typeface="Century Gothic" charset="0"/>
@@ -13926,7 +13740,7 @@
               <a:t> </a:t>
             </a:r>
             <a:r>
-              <a:rPr kumimoji="1" lang="en-US" altLang="zh-CN" sz="1400" dirty="0" smtClean="0">
+              <a:rPr kumimoji="1" lang="en-US" altLang="zh-CN" sz="1400" dirty="0">
                 <a:latin typeface="Century Gothic" charset="0"/>
                 <a:ea typeface="Century Gothic" charset="0"/>
                 <a:cs typeface="Century Gothic" charset="0"/>
@@ -13934,7 +13748,7 @@
               <a:t>8</a:t>
             </a:r>
             <a:r>
-              <a:rPr kumimoji="1" lang="zh-CN" altLang="en-US" sz="1400" dirty="0" smtClean="0">
+              <a:rPr kumimoji="1" lang="zh-CN" altLang="en-US" sz="1400" dirty="0">
                 <a:latin typeface="Century Gothic" charset="0"/>
                 <a:ea typeface="Century Gothic" charset="0"/>
                 <a:cs typeface="Century Gothic" charset="0"/>
@@ -13942,7 +13756,7 @@
               <a:t> </a:t>
             </a:r>
             <a:r>
-              <a:rPr kumimoji="1" lang="en-US" altLang="zh-CN" sz="1400" dirty="0" smtClean="0">
+              <a:rPr kumimoji="1" lang="en-US" altLang="zh-CN" sz="1400" dirty="0">
                 <a:latin typeface="Century Gothic" charset="0"/>
                 <a:ea typeface="Century Gothic" charset="0"/>
                 <a:cs typeface="Century Gothic" charset="0"/>
@@ -13959,14 +13773,79 @@
       </p:sp>
       <p:sp>
         <p:nvSpPr>
-          <p:cNvPr id="25" name="椭圆 24"/>
+          <p:cNvPr id="27" name="文本框 26"/>
+          <p:cNvSpPr txBox="1"/>
+          <p:nvPr/>
+        </p:nvSpPr>
+        <p:spPr>
+          <a:xfrm>
+            <a:off x="4118158" y="6003839"/>
+            <a:ext cx="3035361" cy="307777"/>
+          </a:xfrm>
+          <a:prstGeom prst="rect">
+            <a:avLst/>
+          </a:prstGeom>
+          <a:noFill/>
+        </p:spPr>
+        <p:txBody>
+          <a:bodyPr wrap="square" rtlCol="0">
+            <a:spAutoFit/>
+          </a:bodyPr>
+          <a:lstStyle/>
+          <a:p>
+            <a:r>
+              <a:rPr kumimoji="1" lang="en-US" altLang="zh-CN" sz="1400" dirty="0">
+                <a:latin typeface="Century Gothic" charset="0"/>
+                <a:ea typeface="Century Gothic" charset="0"/>
+                <a:cs typeface="Century Gothic" charset="0"/>
+              </a:rPr>
+              <a:t>Array_to_Image.vi</a:t>
+            </a:r>
+            <a:r>
+              <a:rPr kumimoji="1" lang="zh-CN" altLang="en-US" sz="1400" dirty="0">
+                <a:latin typeface="Century Gothic" charset="0"/>
+                <a:ea typeface="Century Gothic" charset="0"/>
+                <a:cs typeface="Century Gothic" charset="0"/>
+              </a:rPr>
+              <a:t> </a:t>
+            </a:r>
+            <a:r>
+              <a:rPr kumimoji="1" lang="en-US" altLang="zh-CN" sz="1400" dirty="0">
+                <a:latin typeface="Century Gothic" charset="0"/>
+                <a:ea typeface="Century Gothic" charset="0"/>
+                <a:cs typeface="Century Gothic" charset="0"/>
+              </a:rPr>
+              <a:t>(Channel</a:t>
+            </a:r>
+            <a:r>
+              <a:rPr kumimoji="1" lang="zh-CN" altLang="en-US" sz="1400" dirty="0">
+                <a:latin typeface="Century Gothic" charset="0"/>
+                <a:ea typeface="Century Gothic" charset="0"/>
+                <a:cs typeface="Century Gothic" charset="0"/>
+              </a:rPr>
+              <a:t> </a:t>
+            </a:r>
+            <a:r>
+              <a:rPr kumimoji="1" lang="en-US" altLang="zh-CN" sz="1400" dirty="0">
+                <a:latin typeface="Century Gothic" charset="0"/>
+                <a:ea typeface="Century Gothic" charset="0"/>
+                <a:cs typeface="Century Gothic" charset="0"/>
+              </a:rPr>
+              <a:t>1)</a:t>
+            </a:r>
+          </a:p>
+        </p:txBody>
+      </p:sp>
+      <p:sp>
+        <p:nvSpPr>
+          <p:cNvPr id="28" name="椭圆 27"/>
           <p:cNvSpPr/>
           <p:nvPr/>
         </p:nvSpPr>
         <p:spPr>
           <a:xfrm>
-            <a:off x="2923594" y="4554415"/>
-            <a:ext cx="1980000" cy="540000"/>
+            <a:off x="9650321" y="4688901"/>
+            <a:ext cx="1944000" cy="540000"/>
           </a:xfrm>
           <a:prstGeom prst="ellipse">
             <a:avLst/>
@@ -13994,177 +13873,7 @@
           <a:p>
             <a:pPr algn="ctr"/>
             <a:r>
-              <a:rPr kumimoji="1" lang="en-US" altLang="zh-CN" sz="1400" dirty="0" smtClean="0">
-                <a:latin typeface="Century Gothic" charset="0"/>
-                <a:ea typeface="Century Gothic" charset="0"/>
-                <a:cs typeface="Century Gothic" charset="0"/>
-              </a:rPr>
-              <a:t>Expand</a:t>
-            </a:r>
-            <a:r>
-              <a:rPr kumimoji="1" lang="zh-CN" altLang="en-US" sz="1400" dirty="0" smtClean="0">
-                <a:latin typeface="Century Gothic" charset="0"/>
-                <a:ea typeface="Century Gothic" charset="0"/>
-                <a:cs typeface="Century Gothic" charset="0"/>
-              </a:rPr>
-              <a:t> </a:t>
-            </a:r>
-            <a:r>
-              <a:rPr kumimoji="1" lang="en-US" altLang="zh-CN" sz="1400" dirty="0" smtClean="0">
-                <a:latin typeface="Century Gothic" charset="0"/>
-                <a:ea typeface="Century Gothic" charset="0"/>
-                <a:cs typeface="Century Gothic" charset="0"/>
-              </a:rPr>
-              <a:t>to</a:t>
-            </a:r>
-            <a:r>
-              <a:rPr kumimoji="1" lang="zh-CN" altLang="en-US" sz="1400" dirty="0" smtClean="0">
-                <a:latin typeface="Century Gothic" charset="0"/>
-                <a:ea typeface="Century Gothic" charset="0"/>
-                <a:cs typeface="Century Gothic" charset="0"/>
-              </a:rPr>
-              <a:t> </a:t>
-            </a:r>
-            <a:r>
-              <a:rPr kumimoji="1" lang="en-US" altLang="zh-CN" sz="1400" dirty="0" smtClean="0">
-                <a:latin typeface="Century Gothic" charset="0"/>
-                <a:ea typeface="Century Gothic" charset="0"/>
-                <a:cs typeface="Century Gothic" charset="0"/>
-              </a:rPr>
-              <a:t>32</a:t>
-            </a:r>
-            <a:r>
-              <a:rPr kumimoji="1" lang="zh-CN" altLang="en-US" sz="1400" dirty="0" smtClean="0">
-                <a:latin typeface="Century Gothic" charset="0"/>
-                <a:ea typeface="Century Gothic" charset="0"/>
-                <a:cs typeface="Century Gothic" charset="0"/>
-              </a:rPr>
-              <a:t> </a:t>
-            </a:r>
-            <a:r>
-              <a:rPr kumimoji="1" lang="en-US" altLang="zh-CN" sz="1400" dirty="0" smtClean="0">
-                <a:latin typeface="Century Gothic" charset="0"/>
-                <a:ea typeface="Century Gothic" charset="0"/>
-                <a:cs typeface="Century Gothic" charset="0"/>
-              </a:rPr>
-              <a:t>bit</a:t>
-            </a:r>
-            <a:endParaRPr kumimoji="1" lang="zh-CN" altLang="en-US" sz="1400" dirty="0">
-              <a:latin typeface="Century Gothic" charset="0"/>
-              <a:ea typeface="Century Gothic" charset="0"/>
-              <a:cs typeface="Century Gothic" charset="0"/>
-            </a:endParaRPr>
-          </a:p>
-        </p:txBody>
-      </p:sp>
-      <p:sp>
-        <p:nvSpPr>
-          <p:cNvPr id="27" name="文本框 26"/>
-          <p:cNvSpPr txBox="1"/>
-          <p:nvPr/>
-        </p:nvSpPr>
-        <p:spPr>
-          <a:xfrm>
-            <a:off x="2054590" y="5967400"/>
-            <a:ext cx="3035361" cy="307777"/>
-          </a:xfrm>
-          <a:prstGeom prst="rect">
-            <a:avLst/>
-          </a:prstGeom>
-          <a:noFill/>
-        </p:spPr>
-        <p:txBody>
-          <a:bodyPr wrap="square" rtlCol="0">
-            <a:spAutoFit/>
-          </a:bodyPr>
-          <a:lstStyle/>
-          <a:p>
-            <a:r>
-              <a:rPr kumimoji="1" lang="en-US" altLang="zh-CN" sz="1400" dirty="0" err="1" smtClean="0">
-                <a:latin typeface="Century Gothic" charset="0"/>
-                <a:ea typeface="Century Gothic" charset="0"/>
-                <a:cs typeface="Century Gothic" charset="0"/>
-              </a:rPr>
-              <a:t>Array_to_Image.vi</a:t>
-            </a:r>
-            <a:r>
-              <a:rPr kumimoji="1" lang="zh-CN" altLang="en-US" sz="1400" dirty="0" smtClean="0">
-                <a:latin typeface="Century Gothic" charset="0"/>
-                <a:ea typeface="Century Gothic" charset="0"/>
-                <a:cs typeface="Century Gothic" charset="0"/>
-              </a:rPr>
-              <a:t> </a:t>
-            </a:r>
-            <a:r>
-              <a:rPr kumimoji="1" lang="en-US" altLang="zh-CN" sz="1400" dirty="0" smtClean="0">
-                <a:latin typeface="Century Gothic" charset="0"/>
-                <a:ea typeface="Century Gothic" charset="0"/>
-                <a:cs typeface="Century Gothic" charset="0"/>
-              </a:rPr>
-              <a:t>(channel</a:t>
-            </a:r>
-            <a:r>
-              <a:rPr kumimoji="1" lang="zh-CN" altLang="en-US" sz="1400" dirty="0" smtClean="0">
-                <a:latin typeface="Century Gothic" charset="0"/>
-                <a:ea typeface="Century Gothic" charset="0"/>
-                <a:cs typeface="Century Gothic" charset="0"/>
-              </a:rPr>
-              <a:t> </a:t>
-            </a:r>
-            <a:r>
-              <a:rPr kumimoji="1" lang="en-US" altLang="zh-CN" sz="1400" dirty="0" smtClean="0">
-                <a:latin typeface="Century Gothic" charset="0"/>
-                <a:ea typeface="Century Gothic" charset="0"/>
-                <a:cs typeface="Century Gothic" charset="0"/>
-              </a:rPr>
-              <a:t>1)</a:t>
-            </a:r>
-            <a:endParaRPr kumimoji="1" lang="zh-CN" altLang="en-US" sz="1400" dirty="0">
-              <a:latin typeface="Century Gothic" charset="0"/>
-              <a:ea typeface="Century Gothic" charset="0"/>
-              <a:cs typeface="Century Gothic" charset="0"/>
-            </a:endParaRPr>
-          </a:p>
-        </p:txBody>
-      </p:sp>
-      <p:sp>
-        <p:nvSpPr>
-          <p:cNvPr id="28" name="椭圆 27"/>
-          <p:cNvSpPr/>
-          <p:nvPr/>
-        </p:nvSpPr>
-        <p:spPr>
-          <a:xfrm>
-            <a:off x="8751881" y="4014024"/>
-            <a:ext cx="1980000" cy="540000"/>
-          </a:xfrm>
-          <a:prstGeom prst="ellipse">
-            <a:avLst/>
-          </a:prstGeom>
-        </p:spPr>
-        <p:style>
-          <a:lnRef idx="2">
-            <a:schemeClr val="accent1">
-              <a:shade val="50000"/>
-            </a:schemeClr>
-          </a:lnRef>
-          <a:fillRef idx="1">
-            <a:schemeClr val="accent1"/>
-          </a:fillRef>
-          <a:effectRef idx="0">
-            <a:schemeClr val="accent1"/>
-          </a:effectRef>
-          <a:fontRef idx="minor">
-            <a:schemeClr val="lt1"/>
-          </a:fontRef>
-        </p:style>
-        <p:txBody>
-          <a:bodyPr rtlCol="0" anchor="ctr"/>
-          <a:lstStyle/>
-          <a:p>
-            <a:pPr algn="ctr"/>
-            <a:r>
-              <a:rPr kumimoji="1" lang="en-US" altLang="zh-CN" sz="1400" smtClean="0">
+              <a:rPr kumimoji="1" lang="en-US" altLang="zh-CN" sz="1400">
                 <a:latin typeface="Century Gothic" charset="0"/>
                 <a:ea typeface="Century Gothic" charset="0"/>
                 <a:cs typeface="Century Gothic" charset="0"/>
@@ -14189,9 +13898,9 @@
           <p:nvPr/>
         </p:nvCxnSpPr>
         <p:spPr>
-          <a:xfrm flipV="1">
-            <a:off x="1800000" y="990692"/>
-            <a:ext cx="1514265" cy="2278930"/>
+          <a:xfrm>
+            <a:off x="2188408" y="1058012"/>
+            <a:ext cx="1092197" cy="0"/>
           </a:xfrm>
           <a:prstGeom prst="straightConnector1">
             <a:avLst/>
@@ -14226,8 +13935,8 @@
         </p:nvCxnSpPr>
         <p:spPr>
           <a:xfrm>
-            <a:off x="4304265" y="1260692"/>
-            <a:ext cx="0" cy="286899"/>
+            <a:off x="4252605" y="1328012"/>
+            <a:ext cx="0" cy="231390"/>
           </a:xfrm>
           <a:prstGeom prst="straightConnector1">
             <a:avLst/>
@@ -14262,8 +13971,8 @@
         </p:nvCxnSpPr>
         <p:spPr>
           <a:xfrm flipV="1">
-            <a:off x="5204265" y="1760649"/>
-            <a:ext cx="1240641" cy="2942"/>
+            <a:off x="5152605" y="1773969"/>
+            <a:ext cx="1258641" cy="1433"/>
           </a:xfrm>
           <a:prstGeom prst="straightConnector1">
             <a:avLst/>
@@ -14298,12 +14007,12 @@
         </p:nvCxnSpPr>
         <p:spPr>
           <a:xfrm flipV="1">
-            <a:off x="8424906" y="1331591"/>
-            <a:ext cx="1081021" cy="429058"/>
+            <a:off x="8355246" y="1398911"/>
+            <a:ext cx="1117021" cy="375058"/>
           </a:xfrm>
           <a:prstGeom prst="bentConnector3">
             <a:avLst>
-              <a:gd name="adj1" fmla="val 27609"/>
+              <a:gd name="adj1" fmla="val 24889"/>
             </a:avLst>
           </a:prstGeom>
           <a:ln>
@@ -14336,50 +14045,12 @@
         </p:nvCxnSpPr>
         <p:spPr>
           <a:xfrm>
-            <a:off x="8424906" y="1760649"/>
-            <a:ext cx="1081021" cy="405427"/>
+            <a:off x="8355246" y="1773969"/>
+            <a:ext cx="1117021" cy="459427"/>
           </a:xfrm>
           <a:prstGeom prst="bentConnector3">
             <a:avLst>
-              <a:gd name="adj1" fmla="val 27609"/>
-            </a:avLst>
-          </a:prstGeom>
-          <a:ln>
-            <a:tailEnd type="triangle"/>
-          </a:ln>
-        </p:spPr>
-        <p:style>
-          <a:lnRef idx="1">
-            <a:schemeClr val="accent1"/>
-          </a:lnRef>
-          <a:fillRef idx="0">
-            <a:schemeClr val="accent1"/>
-          </a:fillRef>
-          <a:effectRef idx="0">
-            <a:schemeClr val="accent1"/>
-          </a:effectRef>
-          <a:fontRef idx="minor">
-            <a:schemeClr val="tx1"/>
-          </a:fontRef>
-        </p:style>
-      </p:cxnSp>
-      <p:cxnSp>
-        <p:nvCxnSpPr>
-          <p:cNvPr id="42" name="肘形连接符 41"/>
-          <p:cNvCxnSpPr>
-            <a:stCxn id="11" idx="3"/>
-          </p:cNvCxnSpPr>
-          <p:nvPr/>
-        </p:nvCxnSpPr>
-        <p:spPr>
-          <a:xfrm flipH="1">
-            <a:off x="10405337" y="1331591"/>
-            <a:ext cx="900590" cy="1842320"/>
-          </a:xfrm>
-          <a:prstGeom prst="bentConnector4">
-            <a:avLst>
-              <a:gd name="adj1" fmla="val -25383"/>
-              <a:gd name="adj2" fmla="val 74839"/>
+              <a:gd name="adj1" fmla="val 24889"/>
             </a:avLst>
           </a:prstGeom>
           <a:ln>
@@ -14412,8 +14083,8 @@
         </p:nvCxnSpPr>
         <p:spPr>
           <a:xfrm>
-            <a:off x="3707992" y="3624044"/>
-            <a:ext cx="423842" cy="5904"/>
+            <a:off x="6309030" y="3593846"/>
+            <a:ext cx="347657" cy="0"/>
           </a:xfrm>
           <a:prstGeom prst="straightConnector1">
             <a:avLst/>
@@ -14441,53 +14112,22 @@
         <p:nvCxnSpPr>
           <p:cNvPr id="49" name="肘形连接符 48"/>
           <p:cNvCxnSpPr>
+            <a:cxnSpLocks/>
             <a:stCxn id="21" idx="6"/>
-          </p:cNvCxnSpPr>
-          <p:nvPr/>
-        </p:nvCxnSpPr>
-        <p:spPr>
-          <a:xfrm>
-            <a:off x="6343616" y="3629948"/>
-            <a:ext cx="114189" cy="559524"/>
-          </a:xfrm>
-          <a:prstGeom prst="bentConnector2">
-            <a:avLst/>
-          </a:prstGeom>
-          <a:ln>
-            <a:tailEnd type="triangle"/>
-          </a:ln>
-        </p:spPr>
-        <p:style>
-          <a:lnRef idx="1">
-            <a:schemeClr val="accent1"/>
-          </a:lnRef>
-          <a:fillRef idx="0">
-            <a:schemeClr val="accent1"/>
-          </a:fillRef>
-          <a:effectRef idx="0">
-            <a:schemeClr val="accent1"/>
-          </a:effectRef>
-          <a:fontRef idx="minor">
-            <a:schemeClr val="tx1"/>
-          </a:fontRef>
-        </p:style>
-      </p:cxnSp>
-      <p:cxnSp>
-        <p:nvCxnSpPr>
-          <p:cNvPr id="51" name="直线箭头连接符 50"/>
-          <p:cNvCxnSpPr>
-            <a:stCxn id="24" idx="2"/>
-            <a:endCxn id="25" idx="6"/>
+            <a:endCxn id="24" idx="0"/>
           </p:cNvCxnSpPr>
           <p:nvPr/>
         </p:nvCxnSpPr>
         <p:spPr>
           <a:xfrm flipH="1">
-            <a:off x="4903594" y="4824415"/>
-            <a:ext cx="164537" cy="0"/>
+            <a:off x="5557387" y="3593846"/>
+            <a:ext cx="3043300" cy="1094276"/>
           </a:xfrm>
-          <a:prstGeom prst="straightConnector1">
-            <a:avLst/>
+          <a:prstGeom prst="bentConnector4">
+            <a:avLst>
+              <a:gd name="adj1" fmla="val -7512"/>
+              <a:gd name="adj2" fmla="val 62337"/>
+            </a:avLst>
           </a:prstGeom>
           <a:ln>
             <a:tailEnd type="triangle"/>
@@ -14511,13 +14151,17 @@
       <p:cxnSp>
         <p:nvCxnSpPr>
           <p:cNvPr id="55" name="直线箭头连接符 54"/>
-          <p:cNvCxnSpPr/>
+          <p:cNvCxnSpPr>
+            <a:cxnSpLocks/>
+            <a:stCxn id="124" idx="6"/>
+            <a:endCxn id="28" idx="2"/>
+          </p:cNvCxnSpPr>
           <p:nvPr/>
         </p:nvCxnSpPr>
         <p:spPr>
-          <a:xfrm flipH="1">
-            <a:off x="8412788" y="5008312"/>
-            <a:ext cx="1786703" cy="0"/>
+          <a:xfrm>
+            <a:off x="8501596" y="4955701"/>
+            <a:ext cx="1148725" cy="3200"/>
           </a:xfrm>
           <a:prstGeom prst="straightConnector1">
             <a:avLst/>
@@ -14549,7 +14193,7 @@
         </p:nvGrpSpPr>
         <p:grpSpPr>
           <a:xfrm>
-            <a:off x="2591888" y="5064"/>
+            <a:off x="2558228" y="72384"/>
             <a:ext cx="9210370" cy="6627895"/>
             <a:chOff x="1815353" y="1505"/>
             <a:chExt cx="9210370" cy="6627895"/>
@@ -14626,7 +14270,7 @@
             <a:lstStyle/>
             <a:p>
               <a:r>
-                <a:rPr kumimoji="1" lang="en-US" altLang="zh-CN" sz="1400" dirty="0" smtClean="0">
+                <a:rPr kumimoji="1" lang="en-US" altLang="zh-CN" sz="1400" dirty="0">
                   <a:latin typeface="Century Gothic" charset="0"/>
                   <a:ea typeface="Century Gothic" charset="0"/>
                   <a:cs typeface="Century Gothic" charset="0"/>
@@ -14634,7 +14278,7 @@
                 <a:t>Consumer</a:t>
               </a:r>
               <a:r>
-                <a:rPr kumimoji="1" lang="zh-CN" altLang="en-US" sz="1400" dirty="0" smtClean="0">
+                <a:rPr kumimoji="1" lang="zh-CN" altLang="en-US" sz="1400" dirty="0">
                   <a:latin typeface="Century Gothic" charset="0"/>
                   <a:ea typeface="Century Gothic" charset="0"/>
                   <a:cs typeface="Century Gothic" charset="0"/>
@@ -14642,7 +14286,7 @@
                 <a:t> </a:t>
               </a:r>
               <a:r>
-                <a:rPr kumimoji="1" lang="en-US" altLang="zh-CN" sz="1400" dirty="0" smtClean="0">
+                <a:rPr kumimoji="1" lang="en-US" altLang="zh-CN" sz="1400" dirty="0">
                   <a:latin typeface="Century Gothic" charset="0"/>
                   <a:ea typeface="Century Gothic" charset="0"/>
                   <a:cs typeface="Century Gothic" charset="0"/>
@@ -14658,6 +14302,625 @@
           </p:txBody>
         </p:sp>
       </p:grpSp>
+      <p:sp>
+        <p:nvSpPr>
+          <p:cNvPr id="34" name="文本框 33">
+            <a:extLst>
+              <a:ext uri="{FF2B5EF4-FFF2-40B4-BE49-F238E27FC236}">
+                <a16:creationId xmlns:a16="http://schemas.microsoft.com/office/drawing/2014/main" id="{F327044E-A65D-46A3-AF70-B3D823A7566B}"/>
+              </a:ext>
+            </a:extLst>
+          </p:cNvPr>
+          <p:cNvSpPr txBox="1"/>
+          <p:nvPr/>
+        </p:nvSpPr>
+        <p:spPr>
+          <a:xfrm>
+            <a:off x="8701267" y="1086504"/>
+            <a:ext cx="553357" cy="307777"/>
+          </a:xfrm>
+          <a:prstGeom prst="rect">
+            <a:avLst/>
+          </a:prstGeom>
+          <a:noFill/>
+        </p:spPr>
+        <p:txBody>
+          <a:bodyPr wrap="none" rtlCol="0">
+            <a:spAutoFit/>
+          </a:bodyPr>
+          <a:lstStyle/>
+          <a:p>
+            <a:r>
+              <a:rPr kumimoji="1" lang="en-US" altLang="zh-CN" sz="1400" dirty="0">
+                <a:latin typeface="Century Gothic" charset="0"/>
+                <a:ea typeface="Century Gothic" charset="0"/>
+                <a:cs typeface="Century Gothic" charset="0"/>
+              </a:rPr>
+              <a:t>CH0</a:t>
+            </a:r>
+            <a:endParaRPr kumimoji="1" lang="zh-CN" altLang="en-US" sz="1400" dirty="0">
+              <a:latin typeface="Century Gothic" charset="0"/>
+              <a:ea typeface="Century Gothic" charset="0"/>
+              <a:cs typeface="Century Gothic" charset="0"/>
+            </a:endParaRPr>
+          </a:p>
+        </p:txBody>
+      </p:sp>
+      <p:sp>
+        <p:nvSpPr>
+          <p:cNvPr id="36" name="文本框 35">
+            <a:extLst>
+              <a:ext uri="{FF2B5EF4-FFF2-40B4-BE49-F238E27FC236}">
+                <a16:creationId xmlns:a16="http://schemas.microsoft.com/office/drawing/2014/main" id="{5EDF3EDD-8B1B-4C8D-9A37-890AE5D10B11}"/>
+              </a:ext>
+            </a:extLst>
+          </p:cNvPr>
+          <p:cNvSpPr txBox="1"/>
+          <p:nvPr/>
+        </p:nvSpPr>
+        <p:spPr>
+          <a:xfrm>
+            <a:off x="8701267" y="1934571"/>
+            <a:ext cx="553357" cy="307777"/>
+          </a:xfrm>
+          <a:prstGeom prst="rect">
+            <a:avLst/>
+          </a:prstGeom>
+          <a:noFill/>
+        </p:spPr>
+        <p:txBody>
+          <a:bodyPr wrap="none" rtlCol="0">
+            <a:spAutoFit/>
+          </a:bodyPr>
+          <a:lstStyle/>
+          <a:p>
+            <a:r>
+              <a:rPr kumimoji="1" lang="en-US" altLang="zh-CN" sz="1400" dirty="0">
+                <a:latin typeface="Century Gothic" charset="0"/>
+                <a:ea typeface="Century Gothic" charset="0"/>
+                <a:cs typeface="Century Gothic" charset="0"/>
+              </a:rPr>
+              <a:t>CH1</a:t>
+            </a:r>
+            <a:endParaRPr kumimoji="1" lang="zh-CN" altLang="en-US" sz="1400" dirty="0">
+              <a:latin typeface="Century Gothic" charset="0"/>
+              <a:ea typeface="Century Gothic" charset="0"/>
+              <a:cs typeface="Century Gothic" charset="0"/>
+            </a:endParaRPr>
+          </a:p>
+        </p:txBody>
+      </p:sp>
+      <p:cxnSp>
+        <p:nvCxnSpPr>
+          <p:cNvPr id="45" name="连接符: 肘形 44">
+            <a:extLst>
+              <a:ext uri="{FF2B5EF4-FFF2-40B4-BE49-F238E27FC236}">
+                <a16:creationId xmlns:a16="http://schemas.microsoft.com/office/drawing/2014/main" id="{A0748326-13DB-4122-9F7D-C8E14E759414}"/>
+              </a:ext>
+            </a:extLst>
+          </p:cNvPr>
+          <p:cNvCxnSpPr>
+            <a:cxnSpLocks/>
+            <a:stCxn id="11" idx="3"/>
+            <a:endCxn id="18" idx="1"/>
+          </p:cNvCxnSpPr>
+          <p:nvPr/>
+        </p:nvCxnSpPr>
+        <p:spPr>
+          <a:xfrm flipH="1">
+            <a:off x="4509030" y="1398911"/>
+            <a:ext cx="6763237" cy="2194935"/>
+          </a:xfrm>
+          <a:prstGeom prst="bentConnector5">
+            <a:avLst>
+              <a:gd name="adj1" fmla="val -5702"/>
+              <a:gd name="adj2" fmla="val 69680"/>
+              <a:gd name="adj3" fmla="val 111177"/>
+            </a:avLst>
+          </a:prstGeom>
+          <a:ln>
+            <a:tailEnd type="triangle"/>
+          </a:ln>
+        </p:spPr>
+        <p:style>
+          <a:lnRef idx="1">
+            <a:schemeClr val="accent1"/>
+          </a:lnRef>
+          <a:fillRef idx="0">
+            <a:schemeClr val="accent1"/>
+          </a:fillRef>
+          <a:effectRef idx="0">
+            <a:schemeClr val="accent1"/>
+          </a:effectRef>
+          <a:fontRef idx="minor">
+            <a:schemeClr val="tx1"/>
+          </a:fontRef>
+        </p:style>
+      </p:cxnSp>
+      <p:cxnSp>
+        <p:nvCxnSpPr>
+          <p:cNvPr id="61" name="连接符: 肘形 60">
+            <a:extLst>
+              <a:ext uri="{FF2B5EF4-FFF2-40B4-BE49-F238E27FC236}">
+                <a16:creationId xmlns:a16="http://schemas.microsoft.com/office/drawing/2014/main" id="{A119C742-8D12-45DC-B2BE-663A5E76608C}"/>
+              </a:ext>
+            </a:extLst>
+          </p:cNvPr>
+          <p:cNvCxnSpPr>
+            <a:cxnSpLocks/>
+            <a:stCxn id="12" idx="3"/>
+            <a:endCxn id="143" idx="1"/>
+          </p:cNvCxnSpPr>
+          <p:nvPr/>
+        </p:nvCxnSpPr>
+        <p:spPr>
+          <a:xfrm flipH="1">
+            <a:off x="4113553" y="2233396"/>
+            <a:ext cx="7158714" cy="4256535"/>
+          </a:xfrm>
+          <a:prstGeom prst="bentConnector5">
+            <a:avLst>
+              <a:gd name="adj1" fmla="val -1547"/>
+              <a:gd name="adj2" fmla="val 14637"/>
+              <a:gd name="adj3" fmla="val 120433"/>
+            </a:avLst>
+          </a:prstGeom>
+          <a:ln>
+            <a:tailEnd type="triangle"/>
+          </a:ln>
+        </p:spPr>
+        <p:style>
+          <a:lnRef idx="1">
+            <a:schemeClr val="accent1"/>
+          </a:lnRef>
+          <a:fillRef idx="0">
+            <a:schemeClr val="accent1"/>
+          </a:fillRef>
+          <a:effectRef idx="0">
+            <a:schemeClr val="accent1"/>
+          </a:effectRef>
+          <a:fontRef idx="minor">
+            <a:schemeClr val="tx1"/>
+          </a:fontRef>
+        </p:style>
+      </p:cxnSp>
+      <p:sp>
+        <p:nvSpPr>
+          <p:cNvPr id="110" name="矩形 109">
+            <a:extLst>
+              <a:ext uri="{FF2B5EF4-FFF2-40B4-BE49-F238E27FC236}">
+                <a16:creationId xmlns:a16="http://schemas.microsoft.com/office/drawing/2014/main" id="{AF23159E-B7BF-448B-914B-FDA6411558BC}"/>
+              </a:ext>
+            </a:extLst>
+          </p:cNvPr>
+          <p:cNvSpPr/>
+          <p:nvPr/>
+        </p:nvSpPr>
+        <p:spPr>
+          <a:xfrm>
+            <a:off x="2780675" y="4289912"/>
+            <a:ext cx="1080000" cy="432000"/>
+          </a:xfrm>
+          <a:prstGeom prst="rect">
+            <a:avLst/>
+          </a:prstGeom>
+          <a:solidFill>
+            <a:schemeClr val="accent1"/>
+          </a:solidFill>
+          <a:ln>
+            <a:noFill/>
+          </a:ln>
+        </p:spPr>
+        <p:style>
+          <a:lnRef idx="2">
+            <a:schemeClr val="accent1">
+              <a:shade val="50000"/>
+            </a:schemeClr>
+          </a:lnRef>
+          <a:fillRef idx="1">
+            <a:schemeClr val="accent1"/>
+          </a:fillRef>
+          <a:effectRef idx="0">
+            <a:schemeClr val="accent1"/>
+          </a:effectRef>
+          <a:fontRef idx="minor">
+            <a:schemeClr val="lt1"/>
+          </a:fontRef>
+        </p:style>
+        <p:txBody>
+          <a:bodyPr rtlCol="0" anchor="ctr"/>
+          <a:lstStyle/>
+          <a:p>
+            <a:pPr algn="ctr"/>
+            <a:r>
+              <a:rPr kumimoji="1" lang="en-US" altLang="zh-CN" sz="1400" dirty="0">
+                <a:solidFill>
+                  <a:schemeClr val="bg1"/>
+                </a:solidFill>
+                <a:latin typeface="Century Gothic" charset="0"/>
+                <a:ea typeface="Century Gothic" charset="0"/>
+                <a:cs typeface="Century Gothic" charset="0"/>
+              </a:rPr>
+              <a:t>Red (16)</a:t>
+            </a:r>
+            <a:endParaRPr kumimoji="1" lang="zh-CN" altLang="en-US" sz="1400" dirty="0">
+              <a:solidFill>
+                <a:schemeClr val="bg1"/>
+              </a:solidFill>
+              <a:latin typeface="Century Gothic" charset="0"/>
+              <a:ea typeface="Century Gothic" charset="0"/>
+              <a:cs typeface="Century Gothic" charset="0"/>
+            </a:endParaRPr>
+          </a:p>
+        </p:txBody>
+      </p:sp>
+      <p:sp>
+        <p:nvSpPr>
+          <p:cNvPr id="111" name="矩形 110">
+            <a:extLst>
+              <a:ext uri="{FF2B5EF4-FFF2-40B4-BE49-F238E27FC236}">
+                <a16:creationId xmlns:a16="http://schemas.microsoft.com/office/drawing/2014/main" id="{B25AAE22-C190-4C50-8966-419AAA16EB92}"/>
+              </a:ext>
+            </a:extLst>
+          </p:cNvPr>
+          <p:cNvSpPr/>
+          <p:nvPr/>
+        </p:nvSpPr>
+        <p:spPr>
+          <a:xfrm>
+            <a:off x="2780675" y="5818940"/>
+            <a:ext cx="1080000" cy="432000"/>
+          </a:xfrm>
+          <a:prstGeom prst="rect">
+            <a:avLst/>
+          </a:prstGeom>
+          <a:solidFill>
+            <a:schemeClr val="accent1"/>
+          </a:solidFill>
+          <a:ln>
+            <a:noFill/>
+          </a:ln>
+        </p:spPr>
+        <p:style>
+          <a:lnRef idx="2">
+            <a:schemeClr val="accent1">
+              <a:shade val="50000"/>
+            </a:schemeClr>
+          </a:lnRef>
+          <a:fillRef idx="1">
+            <a:schemeClr val="accent1"/>
+          </a:fillRef>
+          <a:effectRef idx="0">
+            <a:schemeClr val="accent1"/>
+          </a:effectRef>
+          <a:fontRef idx="minor">
+            <a:schemeClr val="lt1"/>
+          </a:fontRef>
+        </p:style>
+        <p:txBody>
+          <a:bodyPr rtlCol="0" anchor="ctr"/>
+          <a:lstStyle/>
+          <a:p>
+            <a:pPr algn="ctr"/>
+            <a:r>
+              <a:rPr kumimoji="1" lang="en-US" altLang="zh-CN" sz="1400" dirty="0">
+                <a:solidFill>
+                  <a:schemeClr val="bg1"/>
+                </a:solidFill>
+                <a:latin typeface="Century Gothic" charset="0"/>
+                <a:ea typeface="Century Gothic" charset="0"/>
+                <a:cs typeface="Century Gothic" charset="0"/>
+              </a:rPr>
+              <a:t>Green (8)</a:t>
+            </a:r>
+            <a:endParaRPr kumimoji="1" lang="zh-CN" altLang="en-US" sz="1400" dirty="0">
+              <a:solidFill>
+                <a:schemeClr val="bg1"/>
+              </a:solidFill>
+              <a:latin typeface="Century Gothic" charset="0"/>
+              <a:ea typeface="Century Gothic" charset="0"/>
+              <a:cs typeface="Century Gothic" charset="0"/>
+            </a:endParaRPr>
+          </a:p>
+        </p:txBody>
+      </p:sp>
+      <p:cxnSp>
+        <p:nvCxnSpPr>
+          <p:cNvPr id="117" name="直接箭头连接符 116">
+            <a:extLst>
+              <a:ext uri="{FF2B5EF4-FFF2-40B4-BE49-F238E27FC236}">
+                <a16:creationId xmlns:a16="http://schemas.microsoft.com/office/drawing/2014/main" id="{DC747544-B57A-44AE-B9EB-BC398CD802A7}"/>
+              </a:ext>
+            </a:extLst>
+          </p:cNvPr>
+          <p:cNvCxnSpPr>
+            <a:cxnSpLocks/>
+            <a:stCxn id="110" idx="3"/>
+            <a:endCxn id="15" idx="1"/>
+          </p:cNvCxnSpPr>
+          <p:nvPr/>
+        </p:nvCxnSpPr>
+        <p:spPr>
+          <a:xfrm>
+            <a:off x="3860675" y="4505912"/>
+            <a:ext cx="257483" cy="0"/>
+          </a:xfrm>
+          <a:prstGeom prst="straightConnector1">
+            <a:avLst/>
+          </a:prstGeom>
+          <a:ln>
+            <a:tailEnd type="triangle"/>
+          </a:ln>
+        </p:spPr>
+        <p:style>
+          <a:lnRef idx="1">
+            <a:schemeClr val="accent1"/>
+          </a:lnRef>
+          <a:fillRef idx="0">
+            <a:schemeClr val="accent1"/>
+          </a:fillRef>
+          <a:effectRef idx="0">
+            <a:schemeClr val="accent1"/>
+          </a:effectRef>
+          <a:fontRef idx="minor">
+            <a:schemeClr val="tx1"/>
+          </a:fontRef>
+        </p:style>
+      </p:cxnSp>
+      <p:sp>
+        <p:nvSpPr>
+          <p:cNvPr id="124" name="椭圆 123">
+            <a:extLst>
+              <a:ext uri="{FF2B5EF4-FFF2-40B4-BE49-F238E27FC236}">
+                <a16:creationId xmlns:a16="http://schemas.microsoft.com/office/drawing/2014/main" id="{7555F85C-3ECF-424C-8842-7C11B97F80FE}"/>
+              </a:ext>
+            </a:extLst>
+          </p:cNvPr>
+          <p:cNvSpPr/>
+          <p:nvPr/>
+        </p:nvSpPr>
+        <p:spPr>
+          <a:xfrm>
+            <a:off x="6701596" y="4685701"/>
+            <a:ext cx="1800000" cy="540000"/>
+          </a:xfrm>
+          <a:prstGeom prst="ellipse">
+            <a:avLst/>
+          </a:prstGeom>
+        </p:spPr>
+        <p:style>
+          <a:lnRef idx="2">
+            <a:schemeClr val="accent1">
+              <a:shade val="50000"/>
+            </a:schemeClr>
+          </a:lnRef>
+          <a:fillRef idx="1">
+            <a:schemeClr val="accent1"/>
+          </a:fillRef>
+          <a:effectRef idx="0">
+            <a:schemeClr val="accent1"/>
+          </a:effectRef>
+          <a:fontRef idx="minor">
+            <a:schemeClr val="lt1"/>
+          </a:fontRef>
+        </p:style>
+        <p:txBody>
+          <a:bodyPr rtlCol="0" anchor="ctr"/>
+          <a:lstStyle/>
+          <a:p>
+            <a:pPr algn="ctr"/>
+            <a:r>
+              <a:rPr kumimoji="1" lang="en-US" altLang="zh-CN" sz="1400" dirty="0">
+                <a:latin typeface="Century Gothic" charset="0"/>
+                <a:ea typeface="Century Gothic" charset="0"/>
+                <a:cs typeface="Century Gothic" charset="0"/>
+              </a:rPr>
+              <a:t>Add Color</a:t>
+            </a:r>
+            <a:endParaRPr kumimoji="1" lang="zh-CN" altLang="en-US" sz="1400" dirty="0">
+              <a:latin typeface="Century Gothic" charset="0"/>
+              <a:ea typeface="Century Gothic" charset="0"/>
+              <a:cs typeface="Century Gothic" charset="0"/>
+            </a:endParaRPr>
+          </a:p>
+        </p:txBody>
+      </p:sp>
+      <p:cxnSp>
+        <p:nvCxnSpPr>
+          <p:cNvPr id="129" name="直线箭头连接符 54">
+            <a:extLst>
+              <a:ext uri="{FF2B5EF4-FFF2-40B4-BE49-F238E27FC236}">
+                <a16:creationId xmlns:a16="http://schemas.microsoft.com/office/drawing/2014/main" id="{F7439E44-4885-49F5-B9ED-94ED49C21D26}"/>
+              </a:ext>
+            </a:extLst>
+          </p:cNvPr>
+          <p:cNvCxnSpPr>
+            <a:cxnSpLocks/>
+            <a:stCxn id="24" idx="6"/>
+            <a:endCxn id="124" idx="2"/>
+          </p:cNvCxnSpPr>
+          <p:nvPr/>
+        </p:nvCxnSpPr>
+        <p:spPr>
+          <a:xfrm flipV="1">
+            <a:off x="6457387" y="4955701"/>
+            <a:ext cx="244209" cy="2421"/>
+          </a:xfrm>
+          <a:prstGeom prst="straightConnector1">
+            <a:avLst/>
+          </a:prstGeom>
+          <a:ln>
+            <a:tailEnd type="triangle"/>
+          </a:ln>
+        </p:spPr>
+        <p:style>
+          <a:lnRef idx="1">
+            <a:schemeClr val="accent1"/>
+          </a:lnRef>
+          <a:fillRef idx="0">
+            <a:schemeClr val="accent1"/>
+          </a:fillRef>
+          <a:effectRef idx="0">
+            <a:schemeClr val="accent1"/>
+          </a:effectRef>
+          <a:fontRef idx="minor">
+            <a:schemeClr val="tx1"/>
+          </a:fontRef>
+        </p:style>
+      </p:cxnSp>
+      <p:cxnSp>
+        <p:nvCxnSpPr>
+          <p:cNvPr id="132" name="直接箭头连接符 131">
+            <a:extLst>
+              <a:ext uri="{FF2B5EF4-FFF2-40B4-BE49-F238E27FC236}">
+                <a16:creationId xmlns:a16="http://schemas.microsoft.com/office/drawing/2014/main" id="{AD33076B-7727-4A4C-AE3B-5B80433AA85C}"/>
+              </a:ext>
+            </a:extLst>
+          </p:cNvPr>
+          <p:cNvCxnSpPr>
+            <a:cxnSpLocks/>
+            <a:stCxn id="111" idx="3"/>
+            <a:endCxn id="143" idx="1"/>
+          </p:cNvCxnSpPr>
+          <p:nvPr/>
+        </p:nvCxnSpPr>
+        <p:spPr>
+          <a:xfrm>
+            <a:off x="3860675" y="6034940"/>
+            <a:ext cx="252878" cy="454991"/>
+          </a:xfrm>
+          <a:prstGeom prst="straightConnector1">
+            <a:avLst/>
+          </a:prstGeom>
+          <a:ln>
+            <a:tailEnd type="triangle"/>
+          </a:ln>
+        </p:spPr>
+        <p:style>
+          <a:lnRef idx="1">
+            <a:schemeClr val="accent1"/>
+          </a:lnRef>
+          <a:fillRef idx="0">
+            <a:schemeClr val="accent1"/>
+          </a:fillRef>
+          <a:effectRef idx="0">
+            <a:schemeClr val="accent1"/>
+          </a:effectRef>
+          <a:fontRef idx="minor">
+            <a:schemeClr val="tx1"/>
+          </a:fontRef>
+        </p:style>
+      </p:cxnSp>
+      <p:cxnSp>
+        <p:nvCxnSpPr>
+          <p:cNvPr id="138" name="肘形连接符 48">
+            <a:extLst>
+              <a:ext uri="{FF2B5EF4-FFF2-40B4-BE49-F238E27FC236}">
+                <a16:creationId xmlns:a16="http://schemas.microsoft.com/office/drawing/2014/main" id="{4103AFC8-5202-4075-8E78-9040F38840EF}"/>
+              </a:ext>
+            </a:extLst>
+          </p:cNvPr>
+          <p:cNvCxnSpPr>
+            <a:cxnSpLocks/>
+            <a:stCxn id="143" idx="3"/>
+            <a:endCxn id="28" idx="2"/>
+          </p:cNvCxnSpPr>
+          <p:nvPr/>
+        </p:nvCxnSpPr>
+        <p:spPr>
+          <a:xfrm flipV="1">
+            <a:off x="9240189" y="4958901"/>
+            <a:ext cx="410132" cy="1531030"/>
+          </a:xfrm>
+          <a:prstGeom prst="bentConnector3">
+            <a:avLst>
+              <a:gd name="adj1" fmla="val 50000"/>
+            </a:avLst>
+          </a:prstGeom>
+          <a:ln>
+            <a:tailEnd type="triangle"/>
+          </a:ln>
+        </p:spPr>
+        <p:style>
+          <a:lnRef idx="1">
+            <a:schemeClr val="accent1"/>
+          </a:lnRef>
+          <a:fillRef idx="0">
+            <a:schemeClr val="accent1"/>
+          </a:fillRef>
+          <a:effectRef idx="0">
+            <a:schemeClr val="accent1"/>
+          </a:effectRef>
+          <a:fontRef idx="minor">
+            <a:schemeClr val="tx1"/>
+          </a:fontRef>
+        </p:style>
+      </p:cxnSp>
+      <p:sp>
+        <p:nvSpPr>
+          <p:cNvPr id="143" name="矩形 142">
+            <a:extLst>
+              <a:ext uri="{FF2B5EF4-FFF2-40B4-BE49-F238E27FC236}">
+                <a16:creationId xmlns:a16="http://schemas.microsoft.com/office/drawing/2014/main" id="{F13F600E-C594-45CE-A30A-6437516F8890}"/>
+              </a:ext>
+            </a:extLst>
+          </p:cNvPr>
+          <p:cNvSpPr/>
+          <p:nvPr/>
+        </p:nvSpPr>
+        <p:spPr>
+          <a:xfrm>
+            <a:off x="4113553" y="6382490"/>
+            <a:ext cx="5126636" cy="214881"/>
+          </a:xfrm>
+          <a:prstGeom prst="rect">
+            <a:avLst/>
+          </a:prstGeom>
+          <a:noFill/>
+        </p:spPr>
+        <p:style>
+          <a:lnRef idx="2">
+            <a:schemeClr val="accent1">
+              <a:shade val="50000"/>
+            </a:schemeClr>
+          </a:lnRef>
+          <a:fillRef idx="1">
+            <a:schemeClr val="accent1"/>
+          </a:fillRef>
+          <a:effectRef idx="0">
+            <a:schemeClr val="accent1"/>
+          </a:effectRef>
+          <a:fontRef idx="minor">
+            <a:schemeClr val="lt1"/>
+          </a:fontRef>
+        </p:style>
+        <p:txBody>
+          <a:bodyPr rtlCol="0" anchor="ctr"/>
+          <a:lstStyle/>
+          <a:p>
+            <a:pPr algn="ctr"/>
+            <a:r>
+              <a:rPr kumimoji="1" lang="en-US" altLang="zh-CN" sz="1400" dirty="0">
+                <a:solidFill>
+                  <a:schemeClr val="tx1"/>
+                </a:solidFill>
+                <a:latin typeface="Century Gothic" charset="0"/>
+                <a:ea typeface="Century Gothic" charset="0"/>
+                <a:cs typeface="Century Gothic" charset="0"/>
+              </a:rPr>
+              <a:t>…</a:t>
+            </a:r>
+            <a:endParaRPr kumimoji="1" lang="zh-CN" altLang="en-US" sz="1400" dirty="0">
+              <a:solidFill>
+                <a:schemeClr val="tx1"/>
+              </a:solidFill>
+              <a:latin typeface="Century Gothic" charset="0"/>
+              <a:ea typeface="Century Gothic" charset="0"/>
+              <a:cs typeface="Century Gothic" charset="0"/>
+            </a:endParaRPr>
+          </a:p>
+        </p:txBody>
+      </p:sp>
     </p:spTree>
     <p:extLst>
       <p:ext uri="{BB962C8B-B14F-4D97-AF65-F5344CB8AC3E}">
@@ -14668,13 +14931,6 @@
   <p:clrMapOvr>
     <a:masterClrMapping/>
   </p:clrMapOvr>
-  <p:timing>
-    <p:tnLst>
-      <p:par>
-        <p:cTn id="1" dur="indefinite" restart="never" nodeType="tmRoot"/>
-      </p:par>
-    </p:tnLst>
-  </p:timing>
 </p:sld>
 </file>
 

--- a/Figures_for_Documentation/TPM_pictures_drawn_in_PPT副本.pptx
+++ b/Figures_for_Documentation/TPM_pictures_drawn_in_PPT副本.pptx
@@ -12881,6 +12881,12 @@
           <a:prstGeom prst="ellipse">
             <a:avLst/>
           </a:prstGeom>
+          <a:noFill/>
+          <a:ln>
+            <a:solidFill>
+              <a:srgbClr val="FF0000"/>
+            </a:solidFill>
+          </a:ln>
         </p:spPr>
         <p:style>
           <a:lnRef idx="2">
@@ -12905,6 +12911,9 @@
             <a:pPr algn="ctr"/>
             <a:r>
               <a:rPr kumimoji="1" lang="en-US" altLang="zh-CN" sz="1400">
+                <a:solidFill>
+                  <a:schemeClr val="tx1"/>
+                </a:solidFill>
                 <a:latin typeface="Century Gothic" charset="0"/>
                 <a:ea typeface="Century Gothic" charset="0"/>
                 <a:cs typeface="Century Gothic" charset="0"/>
@@ -12912,6 +12921,9 @@
               <a:t>Dequeue</a:t>
             </a:r>
             <a:endParaRPr kumimoji="1" lang="zh-CN" altLang="en-US" sz="1400" dirty="0">
+              <a:solidFill>
+                <a:schemeClr val="tx1"/>
+              </a:solidFill>
               <a:latin typeface="Century Gothic" charset="0"/>
               <a:ea typeface="Century Gothic" charset="0"/>
               <a:cs typeface="Century Gothic" charset="0"/>
@@ -13117,6 +13129,12 @@
           <a:prstGeom prst="ellipse">
             <a:avLst/>
           </a:prstGeom>
+          <a:noFill/>
+          <a:ln>
+            <a:solidFill>
+              <a:srgbClr val="FF0000"/>
+            </a:solidFill>
+          </a:ln>
         </p:spPr>
         <p:style>
           <a:lnRef idx="2">
@@ -13141,6 +13159,9 @@
             <a:pPr algn="ctr"/>
             <a:r>
               <a:rPr kumimoji="1" lang="en-US" altLang="zh-CN" sz="1400" dirty="0" err="1">
+                <a:solidFill>
+                  <a:schemeClr val="tx1"/>
+                </a:solidFill>
                 <a:latin typeface="Century Gothic" charset="0"/>
                 <a:ea typeface="Century Gothic" charset="0"/>
                 <a:cs typeface="Century Gothic" charset="0"/>
@@ -13149,6 +13170,9 @@
             </a:r>
             <a:r>
               <a:rPr kumimoji="1" lang="zh-CN" altLang="en-US" sz="1400" dirty="0">
+                <a:solidFill>
+                  <a:schemeClr val="tx1"/>
+                </a:solidFill>
                 <a:latin typeface="Century Gothic" charset="0"/>
                 <a:ea typeface="Century Gothic" charset="0"/>
                 <a:cs typeface="Century Gothic" charset="0"/>
@@ -13157,6 +13181,9 @@
             </a:r>
             <a:r>
               <a:rPr kumimoji="1" lang="en-US" altLang="zh-CN" sz="1400" dirty="0">
+                <a:solidFill>
+                  <a:schemeClr val="tx1"/>
+                </a:solidFill>
                 <a:latin typeface="Century Gothic" charset="0"/>
                 <a:ea typeface="Century Gothic" charset="0"/>
                 <a:cs typeface="Century Gothic" charset="0"/>
@@ -13165,6 +13192,9 @@
             </a:r>
             <a:r>
               <a:rPr kumimoji="1" lang="zh-CN" altLang="en-US" sz="1400" dirty="0">
+                <a:solidFill>
+                  <a:schemeClr val="tx1"/>
+                </a:solidFill>
                 <a:latin typeface="Century Gothic" charset="0"/>
                 <a:ea typeface="Century Gothic" charset="0"/>
                 <a:cs typeface="Century Gothic" charset="0"/>
@@ -13173,6 +13203,9 @@
             </a:r>
             <a:r>
               <a:rPr kumimoji="1" lang="en-US" altLang="zh-CN" sz="1400" dirty="0">
+                <a:solidFill>
+                  <a:schemeClr val="tx1"/>
+                </a:solidFill>
                 <a:latin typeface="Century Gothic" charset="0"/>
                 <a:ea typeface="Century Gothic" charset="0"/>
                 <a:cs typeface="Century Gothic" charset="0"/>
@@ -13180,6 +13213,9 @@
               <a:t>2^32</a:t>
             </a:r>
             <a:endParaRPr kumimoji="1" lang="zh-CN" altLang="en-US" sz="1400" dirty="0">
+              <a:solidFill>
+                <a:schemeClr val="tx1"/>
+              </a:solidFill>
               <a:latin typeface="Century Gothic" charset="0"/>
               <a:ea typeface="Century Gothic" charset="0"/>
               <a:cs typeface="Century Gothic" charset="0"/>
@@ -13513,6 +13549,12 @@
           <a:prstGeom prst="ellipse">
             <a:avLst/>
           </a:prstGeom>
+          <a:noFill/>
+          <a:ln>
+            <a:solidFill>
+              <a:srgbClr val="FF0000"/>
+            </a:solidFill>
+          </a:ln>
         </p:spPr>
         <p:style>
           <a:lnRef idx="2">
@@ -13537,6 +13579,9 @@
             <a:pPr algn="ctr"/>
             <a:r>
               <a:rPr kumimoji="1" lang="en-US" altLang="zh-CN" sz="1400" dirty="0">
+                <a:solidFill>
+                  <a:schemeClr val="tx1"/>
+                </a:solidFill>
                 <a:latin typeface="Century Gothic" charset="0"/>
                 <a:ea typeface="Century Gothic" charset="0"/>
                 <a:cs typeface="Century Gothic" charset="0"/>
@@ -13544,6 +13589,9 @@
               <a:t>Normalization</a:t>
             </a:r>
             <a:endParaRPr kumimoji="1" lang="zh-CN" altLang="en-US" sz="1400" dirty="0">
+              <a:solidFill>
+                <a:schemeClr val="tx1"/>
+              </a:solidFill>
               <a:latin typeface="Century Gothic" charset="0"/>
               <a:ea typeface="Century Gothic" charset="0"/>
               <a:cs typeface="Century Gothic" charset="0"/>
@@ -13669,6 +13717,12 @@
           <a:prstGeom prst="ellipse">
             <a:avLst/>
           </a:prstGeom>
+          <a:noFill/>
+          <a:ln>
+            <a:solidFill>
+              <a:srgbClr val="FF0000"/>
+            </a:solidFill>
+          </a:ln>
         </p:spPr>
         <p:style>
           <a:lnRef idx="2">
@@ -13693,6 +13747,9 @@
             <a:pPr algn="ctr"/>
             <a:r>
               <a:rPr kumimoji="1" lang="en-US" altLang="zh-CN" sz="1400" dirty="0">
+                <a:solidFill>
+                  <a:schemeClr val="tx1"/>
+                </a:solidFill>
                 <a:latin typeface="Century Gothic" charset="0"/>
                 <a:ea typeface="Century Gothic" charset="0"/>
                 <a:cs typeface="Century Gothic" charset="0"/>
@@ -13701,6 +13758,9 @@
             </a:r>
             <a:r>
               <a:rPr kumimoji="1" lang="zh-CN" altLang="en-US" sz="1400" dirty="0">
+                <a:solidFill>
+                  <a:schemeClr val="tx1"/>
+                </a:solidFill>
                 <a:latin typeface="Century Gothic" charset="0"/>
                 <a:ea typeface="Century Gothic" charset="0"/>
                 <a:cs typeface="Century Gothic" charset="0"/>
@@ -13709,6 +13769,9 @@
             </a:r>
             <a:r>
               <a:rPr kumimoji="1" lang="en-US" altLang="zh-CN" sz="1400" dirty="0">
+                <a:solidFill>
+                  <a:schemeClr val="tx1"/>
+                </a:solidFill>
                 <a:latin typeface="Century Gothic" charset="0"/>
                 <a:ea typeface="Century Gothic" charset="0"/>
                 <a:cs typeface="Century Gothic" charset="0"/>
@@ -13717,6 +13780,9 @@
             </a:r>
             <a:r>
               <a:rPr kumimoji="1" lang="zh-CN" altLang="en-US" sz="1400" dirty="0">
+                <a:solidFill>
+                  <a:schemeClr val="tx1"/>
+                </a:solidFill>
                 <a:latin typeface="Century Gothic" charset="0"/>
                 <a:ea typeface="Century Gothic" charset="0"/>
                 <a:cs typeface="Century Gothic" charset="0"/>
@@ -13725,6 +13791,9 @@
             </a:r>
             <a:r>
               <a:rPr kumimoji="1" lang="en-US" altLang="zh-CN" sz="1400" dirty="0">
+                <a:solidFill>
+                  <a:schemeClr val="tx1"/>
+                </a:solidFill>
                 <a:latin typeface="Century Gothic" charset="0"/>
                 <a:ea typeface="Century Gothic" charset="0"/>
                 <a:cs typeface="Century Gothic" charset="0"/>
@@ -13733,6 +13802,9 @@
             </a:r>
             <a:r>
               <a:rPr kumimoji="1" lang="zh-CN" altLang="en-US" sz="1400" dirty="0">
+                <a:solidFill>
+                  <a:schemeClr val="tx1"/>
+                </a:solidFill>
                 <a:latin typeface="Century Gothic" charset="0"/>
                 <a:ea typeface="Century Gothic" charset="0"/>
                 <a:cs typeface="Century Gothic" charset="0"/>
@@ -13741,6 +13813,9 @@
             </a:r>
             <a:r>
               <a:rPr kumimoji="1" lang="en-US" altLang="zh-CN" sz="1400" dirty="0">
+                <a:solidFill>
+                  <a:schemeClr val="tx1"/>
+                </a:solidFill>
                 <a:latin typeface="Century Gothic" charset="0"/>
                 <a:ea typeface="Century Gothic" charset="0"/>
                 <a:cs typeface="Century Gothic" charset="0"/>
@@ -13749,6 +13824,9 @@
             </a:r>
             <a:r>
               <a:rPr kumimoji="1" lang="zh-CN" altLang="en-US" sz="1400" dirty="0">
+                <a:solidFill>
+                  <a:schemeClr val="tx1"/>
+                </a:solidFill>
                 <a:latin typeface="Century Gothic" charset="0"/>
                 <a:ea typeface="Century Gothic" charset="0"/>
                 <a:cs typeface="Century Gothic" charset="0"/>
@@ -13757,6 +13835,9 @@
             </a:r>
             <a:r>
               <a:rPr kumimoji="1" lang="en-US" altLang="zh-CN" sz="1400" dirty="0">
+                <a:solidFill>
+                  <a:schemeClr val="tx1"/>
+                </a:solidFill>
                 <a:latin typeface="Century Gothic" charset="0"/>
                 <a:ea typeface="Century Gothic" charset="0"/>
                 <a:cs typeface="Century Gothic" charset="0"/>
@@ -13764,6 +13845,9 @@
               <a:t>bit</a:t>
             </a:r>
             <a:endParaRPr kumimoji="1" lang="zh-CN" altLang="en-US" sz="1400" dirty="0">
+              <a:solidFill>
+                <a:schemeClr val="tx1"/>
+              </a:solidFill>
               <a:latin typeface="Century Gothic" charset="0"/>
               <a:ea typeface="Century Gothic" charset="0"/>
               <a:cs typeface="Century Gothic" charset="0"/>
@@ -13850,6 +13934,12 @@
           <a:prstGeom prst="ellipse">
             <a:avLst/>
           </a:prstGeom>
+          <a:noFill/>
+          <a:ln>
+            <a:solidFill>
+              <a:srgbClr val="FF0000"/>
+            </a:solidFill>
+          </a:ln>
         </p:spPr>
         <p:style>
           <a:lnRef idx="2">
@@ -13874,6 +13964,9 @@
             <a:pPr algn="ctr"/>
             <a:r>
               <a:rPr kumimoji="1" lang="en-US" altLang="zh-CN" sz="1400">
+                <a:solidFill>
+                  <a:schemeClr val="tx1"/>
+                </a:solidFill>
                 <a:latin typeface="Century Gothic" charset="0"/>
                 <a:ea typeface="Century Gothic" charset="0"/>
                 <a:cs typeface="Century Gothic" charset="0"/>
@@ -13881,6 +13974,9 @@
               <a:t>IMAQ&amp;Image</a:t>
             </a:r>
             <a:endParaRPr kumimoji="1" lang="zh-CN" altLang="en-US" sz="1400" dirty="0">
+              <a:solidFill>
+                <a:schemeClr val="tx1"/>
+              </a:solidFill>
               <a:latin typeface="Century Gothic" charset="0"/>
               <a:ea typeface="Century Gothic" charset="0"/>
               <a:cs typeface="Century Gothic" charset="0"/>
@@ -14126,7 +14222,7 @@
           <a:prstGeom prst="bentConnector4">
             <a:avLst>
               <a:gd name="adj1" fmla="val -7512"/>
-              <a:gd name="adj2" fmla="val 62337"/>
+              <a:gd name="adj2" fmla="val 73615"/>
             </a:avLst>
           </a:prstGeom>
           <a:ln>
@@ -14687,6 +14783,12 @@
           <a:prstGeom prst="ellipse">
             <a:avLst/>
           </a:prstGeom>
+          <a:noFill/>
+          <a:ln>
+            <a:solidFill>
+              <a:srgbClr val="FF0000"/>
+            </a:solidFill>
+          </a:ln>
         </p:spPr>
         <p:style>
           <a:lnRef idx="2">
@@ -14711,6 +14813,9 @@
             <a:pPr algn="ctr"/>
             <a:r>
               <a:rPr kumimoji="1" lang="en-US" altLang="zh-CN" sz="1400" dirty="0">
+                <a:solidFill>
+                  <a:schemeClr val="tx1"/>
+                </a:solidFill>
                 <a:latin typeface="Century Gothic" charset="0"/>
                 <a:ea typeface="Century Gothic" charset="0"/>
                 <a:cs typeface="Century Gothic" charset="0"/>
@@ -14718,6 +14823,9 @@
               <a:t>Add Color</a:t>
             </a:r>
             <a:endParaRPr kumimoji="1" lang="zh-CN" altLang="en-US" sz="1400" dirty="0">
+              <a:solidFill>
+                <a:schemeClr val="tx1"/>
+              </a:solidFill>
               <a:latin typeface="Century Gothic" charset="0"/>
               <a:ea typeface="Century Gothic" charset="0"/>
               <a:cs typeface="Century Gothic" charset="0"/>
